--- a/문서/케이시스화면설계.pptx
+++ b/문서/케이시스화면설계.pptx
@@ -5,7 +5,7 @@
     <p:sldMasterId id="2147483648" r:id="rId1"/>
   </p:sldMasterIdLst>
   <p:notesMasterIdLst>
-    <p:notesMasterId r:id="rId16"/>
+    <p:notesMasterId r:id="rId17"/>
   </p:notesMasterIdLst>
   <p:sldIdLst>
     <p:sldId id="256" r:id="rId2"/>
@@ -15,13 +15,14 @@
     <p:sldId id="259" r:id="rId6"/>
     <p:sldId id="261" r:id="rId7"/>
     <p:sldId id="263" r:id="rId8"/>
-    <p:sldId id="275" r:id="rId9"/>
-    <p:sldId id="268" r:id="rId10"/>
-    <p:sldId id="269" r:id="rId11"/>
-    <p:sldId id="270" r:id="rId12"/>
-    <p:sldId id="271" r:id="rId13"/>
-    <p:sldId id="272" r:id="rId14"/>
-    <p:sldId id="273" r:id="rId15"/>
+    <p:sldId id="276" r:id="rId9"/>
+    <p:sldId id="275" r:id="rId10"/>
+    <p:sldId id="268" r:id="rId11"/>
+    <p:sldId id="269" r:id="rId12"/>
+    <p:sldId id="270" r:id="rId13"/>
+    <p:sldId id="271" r:id="rId14"/>
+    <p:sldId id="272" r:id="rId15"/>
+    <p:sldId id="273" r:id="rId16"/>
   </p:sldIdLst>
   <p:sldSz cx="12192000" cy="6858000"/>
   <p:notesSz cx="6858000" cy="9144000"/>
@@ -120,6 +121,11 @@
       </a:defRPr>
     </a:lvl9pPr>
   </p:defaultTextStyle>
+  <p:extLst>
+    <p:ext uri="{EFAFB233-063F-42B5-8137-9DF3F51BA10A}">
+      <p15:sldGuideLst xmlns:p15="http://schemas.microsoft.com/office/powerpoint/2012/main"/>
+    </p:ext>
+  </p:extLst>
 </p:presentation>
 </file>
 
@@ -3767,6 +3773,193 @@
         <p:cNvPr id="1" name="">
           <a:extLst>
             <a:ext uri="{FF2B5EF4-FFF2-40B4-BE49-F238E27FC236}">
+              <a16:creationId xmlns:a16="http://schemas.microsoft.com/office/drawing/2014/main" id="{D81A5981-D5F6-EA40-B830-2EE21E28E2EC}"/>
+            </a:ext>
+          </a:extLst>
+        </p:cNvPr>
+        <p:cNvGrpSpPr/>
+        <p:nvPr/>
+      </p:nvGrpSpPr>
+      <p:grpSpPr>
+        <a:xfrm>
+          <a:off x="0" y="0"/>
+          <a:ext cx="0" cy="0"/>
+          <a:chOff x="0" y="0"/>
+          <a:chExt cx="0" cy="0"/>
+        </a:xfrm>
+      </p:grpSpPr>
+      <p:pic>
+        <p:nvPicPr>
+          <p:cNvPr id="3" name="그림 2">
+            <a:extLst>
+              <a:ext uri="{FF2B5EF4-FFF2-40B4-BE49-F238E27FC236}">
+                <a16:creationId xmlns:a16="http://schemas.microsoft.com/office/drawing/2014/main" id="{67138FA9-6A74-D88D-9BCD-ED9431799A7C}"/>
+              </a:ext>
+            </a:extLst>
+          </p:cNvPr>
+          <p:cNvPicPr>
+            <a:picLocks noChangeAspect="1"/>
+          </p:cNvPicPr>
+          <p:nvPr/>
+        </p:nvPicPr>
+        <p:blipFill>
+          <a:blip r:embed="rId2"/>
+          <a:stretch>
+            <a:fillRect/>
+          </a:stretch>
+        </p:blipFill>
+        <p:spPr>
+          <a:xfrm>
+            <a:off x="1976183" y="0"/>
+            <a:ext cx="8239634" cy="6858000"/>
+          </a:xfrm>
+          <a:prstGeom prst="rect">
+            <a:avLst/>
+          </a:prstGeom>
+        </p:spPr>
+      </p:pic>
+      <p:sp>
+        <p:nvSpPr>
+          <p:cNvPr id="8" name="슬라이드 번호 개체 틀 7">
+            <a:extLst>
+              <a:ext uri="{FF2B5EF4-FFF2-40B4-BE49-F238E27FC236}">
+                <a16:creationId xmlns:a16="http://schemas.microsoft.com/office/drawing/2014/main" id="{850A3460-1879-B617-4046-3B11D54F0A14}"/>
+              </a:ext>
+            </a:extLst>
+          </p:cNvPr>
+          <p:cNvSpPr>
+            <a:spLocks noGrp="1"/>
+          </p:cNvSpPr>
+          <p:nvPr>
+            <p:ph type="sldNum" sz="quarter" idx="12"/>
+          </p:nvPr>
+        </p:nvSpPr>
+        <p:spPr/>
+        <p:txBody>
+          <a:bodyPr/>
+          <a:lstStyle/>
+          <a:p>
+            <a:fld id="{3D71FD17-EB80-4451-97FD-7C850897199A}" type="slidenum">
+              <a:rPr lang="ko-KR" altLang="en-US" smtClean="0"/>
+              <a:t>10</a:t>
+            </a:fld>
+            <a:endParaRPr lang="ko-KR" altLang="en-US"/>
+          </a:p>
+        </p:txBody>
+      </p:sp>
+      <p:sp>
+        <p:nvSpPr>
+          <p:cNvPr id="9" name="직사각형 8">
+            <a:extLst>
+              <a:ext uri="{FF2B5EF4-FFF2-40B4-BE49-F238E27FC236}">
+                <a16:creationId xmlns:a16="http://schemas.microsoft.com/office/drawing/2014/main" id="{6290AF54-599A-BBC0-CDA1-75B66BC07F80}"/>
+              </a:ext>
+            </a:extLst>
+          </p:cNvPr>
+          <p:cNvSpPr/>
+          <p:nvPr/>
+        </p:nvSpPr>
+        <p:spPr>
+          <a:xfrm>
+            <a:off x="6096000" y="1403230"/>
+            <a:ext cx="2659812" cy="1667774"/>
+          </a:xfrm>
+          <a:prstGeom prst="rect">
+            <a:avLst/>
+          </a:prstGeom>
+          <a:noFill/>
+          <a:ln w="19050">
+            <a:solidFill>
+              <a:schemeClr val="tx1">
+                <a:lumMod val="50000"/>
+                <a:lumOff val="50000"/>
+              </a:schemeClr>
+            </a:solidFill>
+          </a:ln>
+        </p:spPr>
+        <p:style>
+          <a:lnRef idx="2">
+            <a:schemeClr val="accent1"/>
+          </a:lnRef>
+          <a:fillRef idx="1">
+            <a:schemeClr val="lt1"/>
+          </a:fillRef>
+          <a:effectRef idx="0">
+            <a:schemeClr val="accent1"/>
+          </a:effectRef>
+          <a:fontRef idx="minor">
+            <a:schemeClr val="dk1"/>
+          </a:fontRef>
+        </p:style>
+        <p:txBody>
+          <a:bodyPr rtlCol="0" anchor="ctr"/>
+          <a:lstStyle/>
+          <a:p>
+            <a:pPr algn="ctr"/>
+            <a:endParaRPr lang="ko-KR" altLang="en-US" dirty="0"/>
+          </a:p>
+        </p:txBody>
+      </p:sp>
+      <p:sp>
+        <p:nvSpPr>
+          <p:cNvPr id="10" name="TextBox 9">
+            <a:extLst>
+              <a:ext uri="{FF2B5EF4-FFF2-40B4-BE49-F238E27FC236}">
+                <a16:creationId xmlns:a16="http://schemas.microsoft.com/office/drawing/2014/main" id="{8E60C1FB-51B6-0E1B-8FD4-401DBBFA07BA}"/>
+              </a:ext>
+            </a:extLst>
+          </p:cNvPr>
+          <p:cNvSpPr txBox="1"/>
+          <p:nvPr/>
+        </p:nvSpPr>
+        <p:spPr>
+          <a:xfrm>
+            <a:off x="6079099" y="1033898"/>
+            <a:ext cx="3137140" cy="369332"/>
+          </a:xfrm>
+          <a:prstGeom prst="rect">
+            <a:avLst/>
+          </a:prstGeom>
+          <a:noFill/>
+        </p:spPr>
+        <p:txBody>
+          <a:bodyPr wrap="square" rtlCol="0">
+            <a:spAutoFit/>
+          </a:bodyPr>
+          <a:lstStyle/>
+          <a:p>
+            <a:r>
+              <a:rPr lang="en-US" altLang="ko-KR" dirty="0"/>
+              <a:t>※</a:t>
+            </a:r>
+            <a:r>
+              <a:rPr lang="ko-KR" altLang="en-US" dirty="0"/>
+              <a:t>다중일 경우 표시</a:t>
+            </a:r>
+          </a:p>
+        </p:txBody>
+      </p:sp>
+    </p:spTree>
+    <p:extLst>
+      <p:ext uri="{BB962C8B-B14F-4D97-AF65-F5344CB8AC3E}">
+        <p14:creationId xmlns:p14="http://schemas.microsoft.com/office/powerpoint/2010/main" val="2986471033"/>
+      </p:ext>
+    </p:extLst>
+  </p:cSld>
+  <p:clrMapOvr>
+    <a:masterClrMapping/>
+  </p:clrMapOvr>
+</p:sld>
+</file>
+
+<file path=ppt/slides/slide11.xml><?xml version="1.0" encoding="utf-8"?>
+<p:sld xmlns:a="http://schemas.openxmlformats.org/drawingml/2006/main" xmlns:r="http://schemas.openxmlformats.org/officeDocument/2006/relationships" xmlns:p="http://schemas.openxmlformats.org/presentationml/2006/main">
+  <p:cSld>
+    <p:spTree>
+      <p:nvGrpSpPr>
+        <p:cNvPr id="1" name="">
+          <a:extLst>
+            <a:ext uri="{FF2B5EF4-FFF2-40B4-BE49-F238E27FC236}">
               <a16:creationId xmlns:a16="http://schemas.microsoft.com/office/drawing/2014/main" id="{E28BD1BF-995A-F8C7-14D8-F7D19BA579B8}"/>
             </a:ext>
           </a:extLst>
@@ -3835,7 +4028,7 @@
           <a:p>
             <a:fld id="{3D71FD17-EB80-4451-97FD-7C850897199A}" type="slidenum">
               <a:rPr lang="ko-KR" altLang="en-US" smtClean="0"/>
-              <a:t>10</a:t>
+              <a:t>11</a:t>
             </a:fld>
             <a:endParaRPr lang="ko-KR" altLang="en-US"/>
           </a:p>
@@ -3854,7 +4047,7 @@
 </p:sld>
 </file>
 
-<file path=ppt/slides/slide11.xml><?xml version="1.0" encoding="utf-8"?>
+<file path=ppt/slides/slide12.xml><?xml version="1.0" encoding="utf-8"?>
 <p:sld xmlns:a="http://schemas.openxmlformats.org/drawingml/2006/main" xmlns:r="http://schemas.openxmlformats.org/officeDocument/2006/relationships" xmlns:p="http://schemas.openxmlformats.org/presentationml/2006/main">
   <p:cSld>
     <p:spTree>
@@ -3930,7 +4123,7 @@
           <a:p>
             <a:fld id="{3D71FD17-EB80-4451-97FD-7C850897199A}" type="slidenum">
               <a:rPr lang="ko-KR" altLang="en-US" smtClean="0"/>
-              <a:t>11</a:t>
+              <a:t>12</a:t>
             </a:fld>
             <a:endParaRPr lang="ko-KR" altLang="en-US"/>
           </a:p>
@@ -3949,7 +4142,7 @@
 </p:sld>
 </file>
 
-<file path=ppt/slides/slide12.xml><?xml version="1.0" encoding="utf-8"?>
+<file path=ppt/slides/slide13.xml><?xml version="1.0" encoding="utf-8"?>
 <p:sld xmlns:a="http://schemas.openxmlformats.org/drawingml/2006/main" xmlns:r="http://schemas.openxmlformats.org/officeDocument/2006/relationships" xmlns:p="http://schemas.openxmlformats.org/presentationml/2006/main">
   <p:cSld>
     <p:spTree>
@@ -3995,9 +4188,9 @@
           <a:p>
             <a:fld id="{3D71FD17-EB80-4451-97FD-7C850897199A}" type="slidenum">
               <a:rPr lang="ko-KR" altLang="en-US" smtClean="0"/>
-              <a:t>12</a:t>
+              <a:t>13</a:t>
             </a:fld>
-            <a:endParaRPr lang="ko-KR" altLang="en-US"/>
+            <a:endParaRPr lang="ko-KR" altLang="en-US" dirty="0"/>
           </a:p>
         </p:txBody>
       </p:sp>
@@ -4044,7 +4237,7 @@
 </p:sld>
 </file>
 
-<file path=ppt/slides/slide13.xml><?xml version="1.0" encoding="utf-8"?>
+<file path=ppt/slides/slide14.xml><?xml version="1.0" encoding="utf-8"?>
 <p:sld xmlns:a="http://schemas.openxmlformats.org/drawingml/2006/main" xmlns:r="http://schemas.openxmlformats.org/officeDocument/2006/relationships" xmlns:p="http://schemas.openxmlformats.org/presentationml/2006/main">
   <p:cSld>
     <p:spTree>
@@ -4089,8 +4282,8 @@
         </p:blipFill>
         <p:spPr>
           <a:xfrm>
-            <a:off x="1976295" y="0"/>
-            <a:ext cx="8239409" cy="6858000"/>
+            <a:off x="2336128" y="38099"/>
+            <a:ext cx="8239409" cy="6828369"/>
           </a:xfrm>
           <a:prstGeom prst="rect">
             <a:avLst/>
@@ -4120,9 +4313,9 @@
           <a:p>
             <a:fld id="{3D71FD17-EB80-4451-97FD-7C850897199A}" type="slidenum">
               <a:rPr lang="ko-KR" altLang="en-US" smtClean="0"/>
-              <a:t>13</a:t>
+              <a:t>14</a:t>
             </a:fld>
-            <a:endParaRPr lang="ko-KR" altLang="en-US"/>
+            <a:endParaRPr lang="ko-KR" altLang="en-US" dirty="0"/>
           </a:p>
         </p:txBody>
       </p:sp>
@@ -4139,7 +4332,7 @@
 </p:sld>
 </file>
 
-<file path=ppt/slides/slide14.xml><?xml version="1.0" encoding="utf-8"?>
+<file path=ppt/slides/slide15.xml><?xml version="1.0" encoding="utf-8"?>
 <p:sld xmlns:a="http://schemas.openxmlformats.org/drawingml/2006/main" xmlns:r="http://schemas.openxmlformats.org/officeDocument/2006/relationships" xmlns:p="http://schemas.openxmlformats.org/presentationml/2006/main">
   <p:cSld>
     <p:spTree>
@@ -4185,7 +4378,7 @@
           <a:p>
             <a:fld id="{3D71FD17-EB80-4451-97FD-7C850897199A}" type="slidenum">
               <a:rPr lang="ko-KR" altLang="en-US" smtClean="0"/>
-              <a:t>14</a:t>
+              <a:t>15</a:t>
             </a:fld>
             <a:endParaRPr lang="ko-KR" altLang="en-US" dirty="0"/>
           </a:p>
@@ -4310,6 +4503,58 @@
           </a:p>
         </p:txBody>
       </p:sp>
+      <p:sp>
+        <p:nvSpPr>
+          <p:cNvPr id="2" name="직사각형 1">
+            <a:extLst>
+              <a:ext uri="{FF2B5EF4-FFF2-40B4-BE49-F238E27FC236}">
+                <a16:creationId xmlns:a16="http://schemas.microsoft.com/office/drawing/2014/main" id="{84A9395C-2833-A5A1-109E-F9BFDC0CE1E7}"/>
+              </a:ext>
+            </a:extLst>
+          </p:cNvPr>
+          <p:cNvSpPr/>
+          <p:nvPr/>
+        </p:nvSpPr>
+        <p:spPr>
+          <a:xfrm>
+            <a:off x="10490200" y="4094481"/>
+            <a:ext cx="584200" cy="314960"/>
+          </a:xfrm>
+          <a:prstGeom prst="rect">
+            <a:avLst/>
+          </a:prstGeom>
+          <a:noFill/>
+          <a:ln w="28575">
+            <a:solidFill>
+              <a:srgbClr val="F5A623"/>
+            </a:solidFill>
+          </a:ln>
+        </p:spPr>
+        <p:style>
+          <a:lnRef idx="2">
+            <a:schemeClr val="accent1">
+              <a:shade val="15000"/>
+            </a:schemeClr>
+          </a:lnRef>
+          <a:fillRef idx="1">
+            <a:schemeClr val="accent1"/>
+          </a:fillRef>
+          <a:effectRef idx="0">
+            <a:schemeClr val="accent1"/>
+          </a:effectRef>
+          <a:fontRef idx="minor">
+            <a:schemeClr val="lt1"/>
+          </a:fontRef>
+        </p:style>
+        <p:txBody>
+          <a:bodyPr rtlCol="0" anchor="ctr"/>
+          <a:lstStyle/>
+          <a:p>
+            <a:pPr algn="ctr"/>
+            <a:endParaRPr lang="ko-KR" altLang="en-US"/>
+          </a:p>
+        </p:txBody>
+      </p:sp>
     </p:spTree>
     <p:extLst>
       <p:ext uri="{BB962C8B-B14F-4D97-AF65-F5344CB8AC3E}">
@@ -4814,12 +5059,41 @@
           <a:chExt cx="0" cy="0"/>
         </a:xfrm>
       </p:grpSpPr>
+      <p:sp>
+        <p:nvSpPr>
+          <p:cNvPr id="8" name="슬라이드 번호 개체 틀 7">
+            <a:extLst>
+              <a:ext uri="{FF2B5EF4-FFF2-40B4-BE49-F238E27FC236}">
+                <a16:creationId xmlns:a16="http://schemas.microsoft.com/office/drawing/2014/main" id="{3A8C7CC8-3CD8-8806-418D-462C8D298616}"/>
+              </a:ext>
+            </a:extLst>
+          </p:cNvPr>
+          <p:cNvSpPr>
+            <a:spLocks noGrp="1"/>
+          </p:cNvSpPr>
+          <p:nvPr>
+            <p:ph type="sldNum" sz="quarter" idx="12"/>
+          </p:nvPr>
+        </p:nvSpPr>
+        <p:spPr/>
+        <p:txBody>
+          <a:bodyPr/>
+          <a:lstStyle/>
+          <a:p>
+            <a:fld id="{3D71FD17-EB80-4451-97FD-7C850897199A}" type="slidenum">
+              <a:rPr lang="ko-KR" altLang="en-US" smtClean="0"/>
+              <a:t>7</a:t>
+            </a:fld>
+            <a:endParaRPr lang="ko-KR" altLang="en-US"/>
+          </a:p>
+        </p:txBody>
+      </p:sp>
       <p:pic>
         <p:nvPicPr>
-          <p:cNvPr id="3" name="그림 2">
-            <a:extLst>
-              <a:ext uri="{FF2B5EF4-FFF2-40B4-BE49-F238E27FC236}">
-                <a16:creationId xmlns:a16="http://schemas.microsoft.com/office/drawing/2014/main" id="{205099F6-ABAA-2D57-41F4-A64CC126B871}"/>
+          <p:cNvPr id="4" name="그림 3">
+            <a:extLst>
+              <a:ext uri="{FF2B5EF4-FFF2-40B4-BE49-F238E27FC236}">
+                <a16:creationId xmlns:a16="http://schemas.microsoft.com/office/drawing/2014/main" id="{545BB9A0-35BF-CDBA-1C6E-F1172326820B}"/>
               </a:ext>
             </a:extLst>
           </p:cNvPr>
@@ -4836,43 +5110,14 @@
         </p:blipFill>
         <p:spPr>
           <a:xfrm>
-            <a:off x="2002218" y="0"/>
-            <a:ext cx="8187563" cy="6858000"/>
+            <a:off x="1875063" y="0"/>
+            <a:ext cx="8234053" cy="6858000"/>
           </a:xfrm>
           <a:prstGeom prst="rect">
             <a:avLst/>
           </a:prstGeom>
         </p:spPr>
       </p:pic>
-      <p:sp>
-        <p:nvSpPr>
-          <p:cNvPr id="8" name="슬라이드 번호 개체 틀 7">
-            <a:extLst>
-              <a:ext uri="{FF2B5EF4-FFF2-40B4-BE49-F238E27FC236}">
-                <a16:creationId xmlns:a16="http://schemas.microsoft.com/office/drawing/2014/main" id="{3A8C7CC8-3CD8-8806-418D-462C8D298616}"/>
-              </a:ext>
-            </a:extLst>
-          </p:cNvPr>
-          <p:cNvSpPr>
-            <a:spLocks noGrp="1"/>
-          </p:cNvSpPr>
-          <p:nvPr>
-            <p:ph type="sldNum" sz="quarter" idx="12"/>
-          </p:nvPr>
-        </p:nvSpPr>
-        <p:spPr/>
-        <p:txBody>
-          <a:bodyPr/>
-          <a:lstStyle/>
-          <a:p>
-            <a:fld id="{3D71FD17-EB80-4451-97FD-7C850897199A}" type="slidenum">
-              <a:rPr lang="ko-KR" altLang="en-US" smtClean="0"/>
-              <a:t>7</a:t>
-            </a:fld>
-            <a:endParaRPr lang="ko-KR" altLang="en-US"/>
-          </a:p>
-        </p:txBody>
-      </p:sp>
     </p:spTree>
     <p:extLst>
       <p:ext uri="{BB962C8B-B14F-4D97-AF65-F5344CB8AC3E}">
@@ -4891,7 +5136,13 @@
   <p:cSld>
     <p:spTree>
       <p:nvGrpSpPr>
-        <p:cNvPr id="1" name=""/>
+        <p:cNvPr id="1" name="">
+          <a:extLst>
+            <a:ext uri="{FF2B5EF4-FFF2-40B4-BE49-F238E27FC236}">
+              <a16:creationId xmlns:a16="http://schemas.microsoft.com/office/drawing/2014/main" id="{D145492C-1FF6-0228-02AF-AD02515233C6}"/>
+            </a:ext>
+          </a:extLst>
+        </p:cNvPr>
         <p:cNvGrpSpPr/>
         <p:nvPr/>
       </p:nvGrpSpPr>
@@ -4903,6 +5154,35 @@
           <a:chExt cx="0" cy="0"/>
         </a:xfrm>
       </p:grpSpPr>
+      <p:sp>
+        <p:nvSpPr>
+          <p:cNvPr id="8" name="슬라이드 번호 개체 틀 7">
+            <a:extLst>
+              <a:ext uri="{FF2B5EF4-FFF2-40B4-BE49-F238E27FC236}">
+                <a16:creationId xmlns:a16="http://schemas.microsoft.com/office/drawing/2014/main" id="{DCC88D3C-915B-13E3-A63C-7C487974A122}"/>
+              </a:ext>
+            </a:extLst>
+          </p:cNvPr>
+          <p:cNvSpPr>
+            <a:spLocks noGrp="1"/>
+          </p:cNvSpPr>
+          <p:nvPr>
+            <p:ph type="sldNum" sz="quarter" idx="12"/>
+          </p:nvPr>
+        </p:nvSpPr>
+        <p:spPr/>
+        <p:txBody>
+          <a:bodyPr/>
+          <a:lstStyle/>
+          <a:p>
+            <a:fld id="{3D71FD17-EB80-4451-97FD-7C850897199A}" type="slidenum">
+              <a:rPr lang="ko-KR" altLang="en-US" smtClean="0"/>
+              <a:t>8</a:t>
+            </a:fld>
+            <a:endParaRPr lang="ko-KR" altLang="en-US"/>
+          </a:p>
+        </p:txBody>
+      </p:sp>
       <p:pic>
         <p:nvPicPr>
           <p:cNvPr id="4" name="그림 3">
@@ -4925,77 +5205,18 @@
         </p:blipFill>
         <p:spPr>
           <a:xfrm>
-            <a:off x="0" y="0"/>
-            <a:ext cx="6048374" cy="5778500"/>
+            <a:off x="2167467" y="65083"/>
+            <a:ext cx="7772400" cy="6548029"/>
           </a:xfrm>
           <a:prstGeom prst="rect">
             <a:avLst/>
           </a:prstGeom>
         </p:spPr>
       </p:pic>
-      <p:pic>
-        <p:nvPicPr>
-          <p:cNvPr id="7" name="그림 6">
-            <a:extLst>
-              <a:ext uri="{FF2B5EF4-FFF2-40B4-BE49-F238E27FC236}">
-                <a16:creationId xmlns:a16="http://schemas.microsoft.com/office/drawing/2014/main" id="{683D7DB4-74BF-D06F-3BE6-ACCC06391754}"/>
-              </a:ext>
-            </a:extLst>
-          </p:cNvPr>
-          <p:cNvPicPr>
-            <a:picLocks noChangeAspect="1"/>
-          </p:cNvPicPr>
-          <p:nvPr/>
-        </p:nvPicPr>
-        <p:blipFill>
-          <a:blip r:embed="rId3"/>
-          <a:stretch>
-            <a:fillRect/>
-          </a:stretch>
-        </p:blipFill>
-        <p:spPr>
-          <a:xfrm>
-            <a:off x="6048374" y="724626"/>
-            <a:ext cx="6113736" cy="5053874"/>
-          </a:xfrm>
-          <a:prstGeom prst="rect">
-            <a:avLst/>
-          </a:prstGeom>
-        </p:spPr>
-      </p:pic>
-      <p:sp>
-        <p:nvSpPr>
-          <p:cNvPr id="11" name="슬라이드 번호 개체 틀 10">
-            <a:extLst>
-              <a:ext uri="{FF2B5EF4-FFF2-40B4-BE49-F238E27FC236}">
-                <a16:creationId xmlns:a16="http://schemas.microsoft.com/office/drawing/2014/main" id="{F7EA8072-8D02-A514-75A9-6FA0DB55994F}"/>
-              </a:ext>
-            </a:extLst>
-          </p:cNvPr>
-          <p:cNvSpPr>
-            <a:spLocks noGrp="1"/>
-          </p:cNvSpPr>
-          <p:nvPr>
-            <p:ph type="sldNum" sz="quarter" idx="12"/>
-          </p:nvPr>
-        </p:nvSpPr>
-        <p:spPr/>
-        <p:txBody>
-          <a:bodyPr/>
-          <a:lstStyle/>
-          <a:p>
-            <a:fld id="{3D71FD17-EB80-4451-97FD-7C850897199A}" type="slidenum">
-              <a:rPr lang="ko-KR" altLang="en-US" smtClean="0"/>
-              <a:t>8</a:t>
-            </a:fld>
-            <a:endParaRPr lang="ko-KR" altLang="en-US"/>
-          </a:p>
-        </p:txBody>
-      </p:sp>
     </p:spTree>
     <p:extLst>
       <p:ext uri="{BB962C8B-B14F-4D97-AF65-F5344CB8AC3E}">
-        <p14:creationId xmlns:p14="http://schemas.microsoft.com/office/powerpoint/2010/main" val="3945205956"/>
+        <p14:creationId xmlns:p14="http://schemas.microsoft.com/office/powerpoint/2010/main" val="4261049811"/>
       </p:ext>
     </p:extLst>
   </p:cSld>
@@ -5010,13 +5231,7 @@
   <p:cSld>
     <p:spTree>
       <p:nvGrpSpPr>
-        <p:cNvPr id="1" name="">
-          <a:extLst>
-            <a:ext uri="{FF2B5EF4-FFF2-40B4-BE49-F238E27FC236}">
-              <a16:creationId xmlns:a16="http://schemas.microsoft.com/office/drawing/2014/main" id="{D81A5981-D5F6-EA40-B830-2EE21E28E2EC}"/>
-            </a:ext>
-          </a:extLst>
-        </p:cNvPr>
+        <p:cNvPr id="1" name=""/>
         <p:cNvGrpSpPr/>
         <p:nvPr/>
       </p:nvGrpSpPr>
@@ -5028,12 +5243,41 @@
           <a:chExt cx="0" cy="0"/>
         </a:xfrm>
       </p:grpSpPr>
+      <p:sp>
+        <p:nvSpPr>
+          <p:cNvPr id="11" name="슬라이드 번호 개체 틀 10">
+            <a:extLst>
+              <a:ext uri="{FF2B5EF4-FFF2-40B4-BE49-F238E27FC236}">
+                <a16:creationId xmlns:a16="http://schemas.microsoft.com/office/drawing/2014/main" id="{F7EA8072-8D02-A514-75A9-6FA0DB55994F}"/>
+              </a:ext>
+            </a:extLst>
+          </p:cNvPr>
+          <p:cNvSpPr>
+            <a:spLocks noGrp="1"/>
+          </p:cNvSpPr>
+          <p:nvPr>
+            <p:ph type="sldNum" sz="quarter" idx="12"/>
+          </p:nvPr>
+        </p:nvSpPr>
+        <p:spPr/>
+        <p:txBody>
+          <a:bodyPr/>
+          <a:lstStyle/>
+          <a:p>
+            <a:fld id="{3D71FD17-EB80-4451-97FD-7C850897199A}" type="slidenum">
+              <a:rPr lang="ko-KR" altLang="en-US" smtClean="0"/>
+              <a:t>9</a:t>
+            </a:fld>
+            <a:endParaRPr lang="ko-KR" altLang="en-US"/>
+          </a:p>
+        </p:txBody>
+      </p:sp>
       <p:pic>
         <p:nvPicPr>
           <p:cNvPr id="3" name="그림 2">
             <a:extLst>
               <a:ext uri="{FF2B5EF4-FFF2-40B4-BE49-F238E27FC236}">
-                <a16:creationId xmlns:a16="http://schemas.microsoft.com/office/drawing/2014/main" id="{67138FA9-6A74-D88D-9BCD-ED9431799A7C}"/>
+                <a16:creationId xmlns:a16="http://schemas.microsoft.com/office/drawing/2014/main" id="{01EFA9F8-B2F5-980D-23E8-DA93D0F627EC}"/>
               </a:ext>
             </a:extLst>
           </p:cNvPr>
@@ -5050,136 +5294,48 @@
         </p:blipFill>
         <p:spPr>
           <a:xfrm>
-            <a:off x="1976183" y="0"/>
-            <a:ext cx="8239634" cy="6858000"/>
+            <a:off x="5985488" y="1240886"/>
+            <a:ext cx="6159497" cy="4977034"/>
           </a:xfrm>
           <a:prstGeom prst="rect">
             <a:avLst/>
           </a:prstGeom>
         </p:spPr>
       </p:pic>
-      <p:sp>
-        <p:nvSpPr>
-          <p:cNvPr id="8" name="슬라이드 번호 개체 틀 7">
-            <a:extLst>
-              <a:ext uri="{FF2B5EF4-FFF2-40B4-BE49-F238E27FC236}">
-                <a16:creationId xmlns:a16="http://schemas.microsoft.com/office/drawing/2014/main" id="{850A3460-1879-B617-4046-3B11D54F0A14}"/>
-              </a:ext>
-            </a:extLst>
-          </p:cNvPr>
-          <p:cNvSpPr>
-            <a:spLocks noGrp="1"/>
-          </p:cNvSpPr>
-          <p:nvPr>
-            <p:ph type="sldNum" sz="quarter" idx="12"/>
-          </p:nvPr>
-        </p:nvSpPr>
-        <p:spPr/>
-        <p:txBody>
-          <a:bodyPr/>
-          <a:lstStyle/>
-          <a:p>
-            <a:fld id="{3D71FD17-EB80-4451-97FD-7C850897199A}" type="slidenum">
-              <a:rPr lang="ko-KR" altLang="en-US" smtClean="0"/>
-              <a:t>9</a:t>
-            </a:fld>
-            <a:endParaRPr lang="ko-KR" altLang="en-US"/>
-          </a:p>
-        </p:txBody>
-      </p:sp>
-      <p:sp>
-        <p:nvSpPr>
-          <p:cNvPr id="9" name="직사각형 8">
-            <a:extLst>
-              <a:ext uri="{FF2B5EF4-FFF2-40B4-BE49-F238E27FC236}">
-                <a16:creationId xmlns:a16="http://schemas.microsoft.com/office/drawing/2014/main" id="{6290AF54-599A-BBC0-CDA1-75B66BC07F80}"/>
-              </a:ext>
-            </a:extLst>
-          </p:cNvPr>
-          <p:cNvSpPr/>
+      <p:pic>
+        <p:nvPicPr>
+          <p:cNvPr id="6" name="그림 5">
+            <a:extLst>
+              <a:ext uri="{FF2B5EF4-FFF2-40B4-BE49-F238E27FC236}">
+                <a16:creationId xmlns:a16="http://schemas.microsoft.com/office/drawing/2014/main" id="{21431AC7-E6C1-D67F-ED3A-E46E26C8BD05}"/>
+              </a:ext>
+            </a:extLst>
+          </p:cNvPr>
+          <p:cNvPicPr>
+            <a:picLocks noChangeAspect="1"/>
+          </p:cNvPicPr>
           <p:nvPr/>
-        </p:nvSpPr>
+        </p:nvPicPr>
+        <p:blipFill>
+          <a:blip r:embed="rId3"/>
+          <a:stretch>
+            <a:fillRect/>
+          </a:stretch>
+        </p:blipFill>
         <p:spPr>
           <a:xfrm>
-            <a:off x="6096000" y="1403230"/>
-            <a:ext cx="2659812" cy="1667774"/>
+            <a:off x="93999" y="640080"/>
+            <a:ext cx="5891489" cy="4553518"/>
           </a:xfrm>
           <a:prstGeom prst="rect">
             <a:avLst/>
           </a:prstGeom>
-          <a:noFill/>
-          <a:ln w="19050">
-            <a:solidFill>
-              <a:schemeClr val="tx1"/>
-            </a:solidFill>
-          </a:ln>
         </p:spPr>
-        <p:style>
-          <a:lnRef idx="2">
-            <a:schemeClr val="accent1"/>
-          </a:lnRef>
-          <a:fillRef idx="1">
-            <a:schemeClr val="lt1"/>
-          </a:fillRef>
-          <a:effectRef idx="0">
-            <a:schemeClr val="accent1"/>
-          </a:effectRef>
-          <a:fontRef idx="minor">
-            <a:schemeClr val="dk1"/>
-          </a:fontRef>
-        </p:style>
-        <p:txBody>
-          <a:bodyPr rtlCol="0" anchor="ctr"/>
-          <a:lstStyle/>
-          <a:p>
-            <a:pPr algn="ctr"/>
-            <a:endParaRPr lang="ko-KR" altLang="en-US" dirty="0"/>
-          </a:p>
-        </p:txBody>
-      </p:sp>
-      <p:sp>
-        <p:nvSpPr>
-          <p:cNvPr id="10" name="TextBox 9">
-            <a:extLst>
-              <a:ext uri="{FF2B5EF4-FFF2-40B4-BE49-F238E27FC236}">
-                <a16:creationId xmlns:a16="http://schemas.microsoft.com/office/drawing/2014/main" id="{8E60C1FB-51B6-0E1B-8FD4-401DBBFA07BA}"/>
-              </a:ext>
-            </a:extLst>
-          </p:cNvPr>
-          <p:cNvSpPr txBox="1"/>
-          <p:nvPr/>
-        </p:nvSpPr>
-        <p:spPr>
-          <a:xfrm>
-            <a:off x="6079099" y="1033898"/>
-            <a:ext cx="3137140" cy="369332"/>
-          </a:xfrm>
-          <a:prstGeom prst="rect">
-            <a:avLst/>
-          </a:prstGeom>
-          <a:noFill/>
-        </p:spPr>
-        <p:txBody>
-          <a:bodyPr wrap="square" rtlCol="0">
-            <a:spAutoFit/>
-          </a:bodyPr>
-          <a:lstStyle/>
-          <a:p>
-            <a:r>
-              <a:rPr lang="en-US" altLang="ko-KR" dirty="0"/>
-              <a:t>※</a:t>
-            </a:r>
-            <a:r>
-              <a:rPr lang="ko-KR" altLang="en-US" dirty="0"/>
-              <a:t>다중일 경우 표시</a:t>
-            </a:r>
-          </a:p>
-        </p:txBody>
-      </p:sp>
+      </p:pic>
     </p:spTree>
     <p:extLst>
       <p:ext uri="{BB962C8B-B14F-4D97-AF65-F5344CB8AC3E}">
-        <p14:creationId xmlns:p14="http://schemas.microsoft.com/office/powerpoint/2010/main" val="2986471033"/>
+        <p14:creationId xmlns:p14="http://schemas.microsoft.com/office/powerpoint/2010/main" val="3945205956"/>
       </p:ext>
     </p:extLst>
   </p:cSld>

--- a/문서/케이시스화면설계.pptx
+++ b/문서/케이시스화면설계.pptx
@@ -5,24 +5,22 @@
     <p:sldMasterId id="2147483648" r:id="rId1"/>
   </p:sldMasterIdLst>
   <p:notesMasterIdLst>
-    <p:notesMasterId r:id="rId17"/>
+    <p:notesMasterId r:id="rId15"/>
   </p:notesMasterIdLst>
   <p:sldIdLst>
     <p:sldId id="256" r:id="rId2"/>
     <p:sldId id="257" r:id="rId3"/>
     <p:sldId id="260" r:id="rId4"/>
     <p:sldId id="258" r:id="rId5"/>
-    <p:sldId id="259" r:id="rId6"/>
-    <p:sldId id="261" r:id="rId7"/>
-    <p:sldId id="263" r:id="rId8"/>
-    <p:sldId id="276" r:id="rId9"/>
-    <p:sldId id="275" r:id="rId10"/>
-    <p:sldId id="268" r:id="rId11"/>
-    <p:sldId id="269" r:id="rId12"/>
-    <p:sldId id="270" r:id="rId13"/>
-    <p:sldId id="271" r:id="rId14"/>
-    <p:sldId id="272" r:id="rId15"/>
-    <p:sldId id="273" r:id="rId16"/>
+    <p:sldId id="263" r:id="rId6"/>
+    <p:sldId id="276" r:id="rId7"/>
+    <p:sldId id="275" r:id="rId8"/>
+    <p:sldId id="268" r:id="rId9"/>
+    <p:sldId id="269" r:id="rId10"/>
+    <p:sldId id="270" r:id="rId11"/>
+    <p:sldId id="271" r:id="rId12"/>
+    <p:sldId id="272" r:id="rId13"/>
+    <p:sldId id="273" r:id="rId14"/>
   </p:sldIdLst>
   <p:sldSz cx="12192000" cy="6858000"/>
   <p:notesSz cx="6858000" cy="9144000"/>
@@ -3773,288 +3771,6 @@
         <p:cNvPr id="1" name="">
           <a:extLst>
             <a:ext uri="{FF2B5EF4-FFF2-40B4-BE49-F238E27FC236}">
-              <a16:creationId xmlns:a16="http://schemas.microsoft.com/office/drawing/2014/main" id="{D81A5981-D5F6-EA40-B830-2EE21E28E2EC}"/>
-            </a:ext>
-          </a:extLst>
-        </p:cNvPr>
-        <p:cNvGrpSpPr/>
-        <p:nvPr/>
-      </p:nvGrpSpPr>
-      <p:grpSpPr>
-        <a:xfrm>
-          <a:off x="0" y="0"/>
-          <a:ext cx="0" cy="0"/>
-          <a:chOff x="0" y="0"/>
-          <a:chExt cx="0" cy="0"/>
-        </a:xfrm>
-      </p:grpSpPr>
-      <p:pic>
-        <p:nvPicPr>
-          <p:cNvPr id="3" name="그림 2">
-            <a:extLst>
-              <a:ext uri="{FF2B5EF4-FFF2-40B4-BE49-F238E27FC236}">
-                <a16:creationId xmlns:a16="http://schemas.microsoft.com/office/drawing/2014/main" id="{67138FA9-6A74-D88D-9BCD-ED9431799A7C}"/>
-              </a:ext>
-            </a:extLst>
-          </p:cNvPr>
-          <p:cNvPicPr>
-            <a:picLocks noChangeAspect="1"/>
-          </p:cNvPicPr>
-          <p:nvPr/>
-        </p:nvPicPr>
-        <p:blipFill>
-          <a:blip r:embed="rId2"/>
-          <a:stretch>
-            <a:fillRect/>
-          </a:stretch>
-        </p:blipFill>
-        <p:spPr>
-          <a:xfrm>
-            <a:off x="1976183" y="0"/>
-            <a:ext cx="8239634" cy="6858000"/>
-          </a:xfrm>
-          <a:prstGeom prst="rect">
-            <a:avLst/>
-          </a:prstGeom>
-        </p:spPr>
-      </p:pic>
-      <p:sp>
-        <p:nvSpPr>
-          <p:cNvPr id="8" name="슬라이드 번호 개체 틀 7">
-            <a:extLst>
-              <a:ext uri="{FF2B5EF4-FFF2-40B4-BE49-F238E27FC236}">
-                <a16:creationId xmlns:a16="http://schemas.microsoft.com/office/drawing/2014/main" id="{850A3460-1879-B617-4046-3B11D54F0A14}"/>
-              </a:ext>
-            </a:extLst>
-          </p:cNvPr>
-          <p:cNvSpPr>
-            <a:spLocks noGrp="1"/>
-          </p:cNvSpPr>
-          <p:nvPr>
-            <p:ph type="sldNum" sz="quarter" idx="12"/>
-          </p:nvPr>
-        </p:nvSpPr>
-        <p:spPr/>
-        <p:txBody>
-          <a:bodyPr/>
-          <a:lstStyle/>
-          <a:p>
-            <a:fld id="{3D71FD17-EB80-4451-97FD-7C850897199A}" type="slidenum">
-              <a:rPr lang="ko-KR" altLang="en-US" smtClean="0"/>
-              <a:t>10</a:t>
-            </a:fld>
-            <a:endParaRPr lang="ko-KR" altLang="en-US"/>
-          </a:p>
-        </p:txBody>
-      </p:sp>
-      <p:sp>
-        <p:nvSpPr>
-          <p:cNvPr id="9" name="직사각형 8">
-            <a:extLst>
-              <a:ext uri="{FF2B5EF4-FFF2-40B4-BE49-F238E27FC236}">
-                <a16:creationId xmlns:a16="http://schemas.microsoft.com/office/drawing/2014/main" id="{6290AF54-599A-BBC0-CDA1-75B66BC07F80}"/>
-              </a:ext>
-            </a:extLst>
-          </p:cNvPr>
-          <p:cNvSpPr/>
-          <p:nvPr/>
-        </p:nvSpPr>
-        <p:spPr>
-          <a:xfrm>
-            <a:off x="6096000" y="1403230"/>
-            <a:ext cx="2659812" cy="1667774"/>
-          </a:xfrm>
-          <a:prstGeom prst="rect">
-            <a:avLst/>
-          </a:prstGeom>
-          <a:noFill/>
-          <a:ln w="19050">
-            <a:solidFill>
-              <a:schemeClr val="tx1">
-                <a:lumMod val="50000"/>
-                <a:lumOff val="50000"/>
-              </a:schemeClr>
-            </a:solidFill>
-          </a:ln>
-        </p:spPr>
-        <p:style>
-          <a:lnRef idx="2">
-            <a:schemeClr val="accent1"/>
-          </a:lnRef>
-          <a:fillRef idx="1">
-            <a:schemeClr val="lt1"/>
-          </a:fillRef>
-          <a:effectRef idx="0">
-            <a:schemeClr val="accent1"/>
-          </a:effectRef>
-          <a:fontRef idx="minor">
-            <a:schemeClr val="dk1"/>
-          </a:fontRef>
-        </p:style>
-        <p:txBody>
-          <a:bodyPr rtlCol="0" anchor="ctr"/>
-          <a:lstStyle/>
-          <a:p>
-            <a:pPr algn="ctr"/>
-            <a:endParaRPr lang="ko-KR" altLang="en-US" dirty="0"/>
-          </a:p>
-        </p:txBody>
-      </p:sp>
-      <p:sp>
-        <p:nvSpPr>
-          <p:cNvPr id="10" name="TextBox 9">
-            <a:extLst>
-              <a:ext uri="{FF2B5EF4-FFF2-40B4-BE49-F238E27FC236}">
-                <a16:creationId xmlns:a16="http://schemas.microsoft.com/office/drawing/2014/main" id="{8E60C1FB-51B6-0E1B-8FD4-401DBBFA07BA}"/>
-              </a:ext>
-            </a:extLst>
-          </p:cNvPr>
-          <p:cNvSpPr txBox="1"/>
-          <p:nvPr/>
-        </p:nvSpPr>
-        <p:spPr>
-          <a:xfrm>
-            <a:off x="6079099" y="1033898"/>
-            <a:ext cx="3137140" cy="369332"/>
-          </a:xfrm>
-          <a:prstGeom prst="rect">
-            <a:avLst/>
-          </a:prstGeom>
-          <a:noFill/>
-        </p:spPr>
-        <p:txBody>
-          <a:bodyPr wrap="square" rtlCol="0">
-            <a:spAutoFit/>
-          </a:bodyPr>
-          <a:lstStyle/>
-          <a:p>
-            <a:r>
-              <a:rPr lang="en-US" altLang="ko-KR" dirty="0"/>
-              <a:t>※</a:t>
-            </a:r>
-            <a:r>
-              <a:rPr lang="ko-KR" altLang="en-US" dirty="0"/>
-              <a:t>다중일 경우 표시</a:t>
-            </a:r>
-          </a:p>
-        </p:txBody>
-      </p:sp>
-    </p:spTree>
-    <p:extLst>
-      <p:ext uri="{BB962C8B-B14F-4D97-AF65-F5344CB8AC3E}">
-        <p14:creationId xmlns:p14="http://schemas.microsoft.com/office/powerpoint/2010/main" val="2986471033"/>
-      </p:ext>
-    </p:extLst>
-  </p:cSld>
-  <p:clrMapOvr>
-    <a:masterClrMapping/>
-  </p:clrMapOvr>
-</p:sld>
-</file>
-
-<file path=ppt/slides/slide11.xml><?xml version="1.0" encoding="utf-8"?>
-<p:sld xmlns:a="http://schemas.openxmlformats.org/drawingml/2006/main" xmlns:r="http://schemas.openxmlformats.org/officeDocument/2006/relationships" xmlns:p="http://schemas.openxmlformats.org/presentationml/2006/main">
-  <p:cSld>
-    <p:spTree>
-      <p:nvGrpSpPr>
-        <p:cNvPr id="1" name="">
-          <a:extLst>
-            <a:ext uri="{FF2B5EF4-FFF2-40B4-BE49-F238E27FC236}">
-              <a16:creationId xmlns:a16="http://schemas.microsoft.com/office/drawing/2014/main" id="{E28BD1BF-995A-F8C7-14D8-F7D19BA579B8}"/>
-            </a:ext>
-          </a:extLst>
-        </p:cNvPr>
-        <p:cNvGrpSpPr/>
-        <p:nvPr/>
-      </p:nvGrpSpPr>
-      <p:grpSpPr>
-        <a:xfrm>
-          <a:off x="0" y="0"/>
-          <a:ext cx="0" cy="0"/>
-          <a:chOff x="0" y="0"/>
-          <a:chExt cx="0" cy="0"/>
-        </a:xfrm>
-      </p:grpSpPr>
-      <p:pic>
-        <p:nvPicPr>
-          <p:cNvPr id="3" name="그림 2">
-            <a:extLst>
-              <a:ext uri="{FF2B5EF4-FFF2-40B4-BE49-F238E27FC236}">
-                <a16:creationId xmlns:a16="http://schemas.microsoft.com/office/drawing/2014/main" id="{741DEC3A-69C9-789E-0B2A-DE8C46334470}"/>
-              </a:ext>
-            </a:extLst>
-          </p:cNvPr>
-          <p:cNvPicPr>
-            <a:picLocks noChangeAspect="1"/>
-          </p:cNvPicPr>
-          <p:nvPr/>
-        </p:nvPicPr>
-        <p:blipFill>
-          <a:blip r:embed="rId2"/>
-          <a:stretch>
-            <a:fillRect/>
-          </a:stretch>
-        </p:blipFill>
-        <p:spPr>
-          <a:xfrm>
-            <a:off x="1134129" y="0"/>
-            <a:ext cx="9923742" cy="6858000"/>
-          </a:xfrm>
-          <a:prstGeom prst="rect">
-            <a:avLst/>
-          </a:prstGeom>
-        </p:spPr>
-      </p:pic>
-      <p:sp>
-        <p:nvSpPr>
-          <p:cNvPr id="8" name="슬라이드 번호 개체 틀 7">
-            <a:extLst>
-              <a:ext uri="{FF2B5EF4-FFF2-40B4-BE49-F238E27FC236}">
-                <a16:creationId xmlns:a16="http://schemas.microsoft.com/office/drawing/2014/main" id="{E5706B13-5418-B426-DAB2-0CED03F74CD9}"/>
-              </a:ext>
-            </a:extLst>
-          </p:cNvPr>
-          <p:cNvSpPr>
-            <a:spLocks noGrp="1"/>
-          </p:cNvSpPr>
-          <p:nvPr>
-            <p:ph type="sldNum" sz="quarter" idx="12"/>
-          </p:nvPr>
-        </p:nvSpPr>
-        <p:spPr/>
-        <p:txBody>
-          <a:bodyPr/>
-          <a:lstStyle/>
-          <a:p>
-            <a:fld id="{3D71FD17-EB80-4451-97FD-7C850897199A}" type="slidenum">
-              <a:rPr lang="ko-KR" altLang="en-US" smtClean="0"/>
-              <a:t>11</a:t>
-            </a:fld>
-            <a:endParaRPr lang="ko-KR" altLang="en-US"/>
-          </a:p>
-        </p:txBody>
-      </p:sp>
-    </p:spTree>
-    <p:extLst>
-      <p:ext uri="{BB962C8B-B14F-4D97-AF65-F5344CB8AC3E}">
-        <p14:creationId xmlns:p14="http://schemas.microsoft.com/office/powerpoint/2010/main" val="3145462129"/>
-      </p:ext>
-    </p:extLst>
-  </p:cSld>
-  <p:clrMapOvr>
-    <a:masterClrMapping/>
-  </p:clrMapOvr>
-</p:sld>
-</file>
-
-<file path=ppt/slides/slide12.xml><?xml version="1.0" encoding="utf-8"?>
-<p:sld xmlns:a="http://schemas.openxmlformats.org/drawingml/2006/main" xmlns:r="http://schemas.openxmlformats.org/officeDocument/2006/relationships" xmlns:p="http://schemas.openxmlformats.org/presentationml/2006/main">
-  <p:cSld>
-    <p:spTree>
-      <p:nvGrpSpPr>
-        <p:cNvPr id="1" name="">
-          <a:extLst>
-            <a:ext uri="{FF2B5EF4-FFF2-40B4-BE49-F238E27FC236}">
               <a16:creationId xmlns:a16="http://schemas.microsoft.com/office/drawing/2014/main" id="{794BC1F2-8A16-8F49-ACC8-CB5638C56A31}"/>
             </a:ext>
           </a:extLst>
@@ -4070,12 +3786,41 @@
           <a:chExt cx="0" cy="0"/>
         </a:xfrm>
       </p:grpSpPr>
+      <p:sp>
+        <p:nvSpPr>
+          <p:cNvPr id="8" name="슬라이드 번호 개체 틀 7">
+            <a:extLst>
+              <a:ext uri="{FF2B5EF4-FFF2-40B4-BE49-F238E27FC236}">
+                <a16:creationId xmlns:a16="http://schemas.microsoft.com/office/drawing/2014/main" id="{F6550DF3-DFA9-9EB0-8F66-0C7842FAF829}"/>
+              </a:ext>
+            </a:extLst>
+          </p:cNvPr>
+          <p:cNvSpPr>
+            <a:spLocks noGrp="1"/>
+          </p:cNvSpPr>
+          <p:nvPr>
+            <p:ph type="sldNum" sz="quarter" idx="12"/>
+          </p:nvPr>
+        </p:nvSpPr>
+        <p:spPr/>
+        <p:txBody>
+          <a:bodyPr/>
+          <a:lstStyle/>
+          <a:p>
+            <a:fld id="{3D71FD17-EB80-4451-97FD-7C850897199A}" type="slidenum">
+              <a:rPr lang="ko-KR" altLang="en-US" smtClean="0"/>
+              <a:t>10</a:t>
+            </a:fld>
+            <a:endParaRPr lang="ko-KR" altLang="en-US"/>
+          </a:p>
+        </p:txBody>
+      </p:sp>
       <p:pic>
         <p:nvPicPr>
-          <p:cNvPr id="3" name="그림 2">
-            <a:extLst>
-              <a:ext uri="{FF2B5EF4-FFF2-40B4-BE49-F238E27FC236}">
-                <a16:creationId xmlns:a16="http://schemas.microsoft.com/office/drawing/2014/main" id="{A695A4CF-C10E-94D6-B587-9A14AE88977F}"/>
+          <p:cNvPr id="6" name="그림 5">
+            <a:extLst>
+              <a:ext uri="{FF2B5EF4-FFF2-40B4-BE49-F238E27FC236}">
+                <a16:creationId xmlns:a16="http://schemas.microsoft.com/office/drawing/2014/main" id="{1B4F17C1-C52B-7CCD-DDE7-6688FD09C55C}"/>
               </a:ext>
             </a:extLst>
           </p:cNvPr>
@@ -4092,43 +3837,14 @@
         </p:blipFill>
         <p:spPr>
           <a:xfrm>
-            <a:off x="1980770" y="0"/>
-            <a:ext cx="8230460" cy="6858000"/>
+            <a:off x="970056" y="42333"/>
+            <a:ext cx="9799200" cy="6773333"/>
           </a:xfrm>
           <a:prstGeom prst="rect">
             <a:avLst/>
           </a:prstGeom>
         </p:spPr>
       </p:pic>
-      <p:sp>
-        <p:nvSpPr>
-          <p:cNvPr id="8" name="슬라이드 번호 개체 틀 7">
-            <a:extLst>
-              <a:ext uri="{FF2B5EF4-FFF2-40B4-BE49-F238E27FC236}">
-                <a16:creationId xmlns:a16="http://schemas.microsoft.com/office/drawing/2014/main" id="{F6550DF3-DFA9-9EB0-8F66-0C7842FAF829}"/>
-              </a:ext>
-            </a:extLst>
-          </p:cNvPr>
-          <p:cNvSpPr>
-            <a:spLocks noGrp="1"/>
-          </p:cNvSpPr>
-          <p:nvPr>
-            <p:ph type="sldNum" sz="quarter" idx="12"/>
-          </p:nvPr>
-        </p:nvSpPr>
-        <p:spPr/>
-        <p:txBody>
-          <a:bodyPr/>
-          <a:lstStyle/>
-          <a:p>
-            <a:fld id="{3D71FD17-EB80-4451-97FD-7C850897199A}" type="slidenum">
-              <a:rPr lang="ko-KR" altLang="en-US" smtClean="0"/>
-              <a:t>12</a:t>
-            </a:fld>
-            <a:endParaRPr lang="ko-KR" altLang="en-US"/>
-          </a:p>
-        </p:txBody>
-      </p:sp>
     </p:spTree>
     <p:extLst>
       <p:ext uri="{BB962C8B-B14F-4D97-AF65-F5344CB8AC3E}">
@@ -4142,7 +3858,7 @@
 </p:sld>
 </file>
 
-<file path=ppt/slides/slide13.xml><?xml version="1.0" encoding="utf-8"?>
+<file path=ppt/slides/slide11.xml><?xml version="1.0" encoding="utf-8"?>
 <p:sld xmlns:a="http://schemas.openxmlformats.org/drawingml/2006/main" xmlns:r="http://schemas.openxmlformats.org/officeDocument/2006/relationships" xmlns:p="http://schemas.openxmlformats.org/presentationml/2006/main">
   <p:cSld>
     <p:spTree>
@@ -4188,7 +3904,7 @@
           <a:p>
             <a:fld id="{3D71FD17-EB80-4451-97FD-7C850897199A}" type="slidenum">
               <a:rPr lang="ko-KR" altLang="en-US" smtClean="0"/>
-              <a:t>13</a:t>
+              <a:t>11</a:t>
             </a:fld>
             <a:endParaRPr lang="ko-KR" altLang="en-US" dirty="0"/>
           </a:p>
@@ -4237,7 +3953,7 @@
 </p:sld>
 </file>
 
-<file path=ppt/slides/slide14.xml><?xml version="1.0" encoding="utf-8"?>
+<file path=ppt/slides/slide12.xml><?xml version="1.0" encoding="utf-8"?>
 <p:sld xmlns:a="http://schemas.openxmlformats.org/drawingml/2006/main" xmlns:r="http://schemas.openxmlformats.org/officeDocument/2006/relationships" xmlns:p="http://schemas.openxmlformats.org/presentationml/2006/main">
   <p:cSld>
     <p:spTree>
@@ -4260,12 +3976,41 @@
           <a:chExt cx="0" cy="0"/>
         </a:xfrm>
       </p:grpSpPr>
+      <p:sp>
+        <p:nvSpPr>
+          <p:cNvPr id="8" name="슬라이드 번호 개체 틀 7">
+            <a:extLst>
+              <a:ext uri="{FF2B5EF4-FFF2-40B4-BE49-F238E27FC236}">
+                <a16:creationId xmlns:a16="http://schemas.microsoft.com/office/drawing/2014/main" id="{28A0841A-0D85-5492-3609-87EFF966BF12}"/>
+              </a:ext>
+            </a:extLst>
+          </p:cNvPr>
+          <p:cNvSpPr>
+            <a:spLocks noGrp="1"/>
+          </p:cNvSpPr>
+          <p:nvPr>
+            <p:ph type="sldNum" sz="quarter" idx="12"/>
+          </p:nvPr>
+        </p:nvSpPr>
+        <p:spPr/>
+        <p:txBody>
+          <a:bodyPr/>
+          <a:lstStyle/>
+          <a:p>
+            <a:fld id="{3D71FD17-EB80-4451-97FD-7C850897199A}" type="slidenum">
+              <a:rPr lang="ko-KR" altLang="en-US" smtClean="0"/>
+              <a:t>12</a:t>
+            </a:fld>
+            <a:endParaRPr lang="ko-KR" altLang="en-US" dirty="0"/>
+          </a:p>
+        </p:txBody>
+      </p:sp>
       <p:pic>
         <p:nvPicPr>
-          <p:cNvPr id="3" name="그림 2">
-            <a:extLst>
-              <a:ext uri="{FF2B5EF4-FFF2-40B4-BE49-F238E27FC236}">
-                <a16:creationId xmlns:a16="http://schemas.microsoft.com/office/drawing/2014/main" id="{8DF139D7-BFF5-FB08-71DE-420C6BB9E1CD}"/>
+          <p:cNvPr id="4" name="그림 3">
+            <a:extLst>
+              <a:ext uri="{FF2B5EF4-FFF2-40B4-BE49-F238E27FC236}">
+                <a16:creationId xmlns:a16="http://schemas.microsoft.com/office/drawing/2014/main" id="{54D9C1DA-7477-FA42-3E88-C6D30C0ABB31}"/>
               </a:ext>
             </a:extLst>
           </p:cNvPr>
@@ -4282,43 +4027,14 @@
         </p:blipFill>
         <p:spPr>
           <a:xfrm>
-            <a:off x="2336128" y="38099"/>
-            <a:ext cx="8239409" cy="6828369"/>
+            <a:off x="510889" y="0"/>
+            <a:ext cx="10086489" cy="6858000"/>
           </a:xfrm>
           <a:prstGeom prst="rect">
             <a:avLst/>
           </a:prstGeom>
         </p:spPr>
       </p:pic>
-      <p:sp>
-        <p:nvSpPr>
-          <p:cNvPr id="8" name="슬라이드 번호 개체 틀 7">
-            <a:extLst>
-              <a:ext uri="{FF2B5EF4-FFF2-40B4-BE49-F238E27FC236}">
-                <a16:creationId xmlns:a16="http://schemas.microsoft.com/office/drawing/2014/main" id="{28A0841A-0D85-5492-3609-87EFF966BF12}"/>
-              </a:ext>
-            </a:extLst>
-          </p:cNvPr>
-          <p:cNvSpPr>
-            <a:spLocks noGrp="1"/>
-          </p:cNvSpPr>
-          <p:nvPr>
-            <p:ph type="sldNum" sz="quarter" idx="12"/>
-          </p:nvPr>
-        </p:nvSpPr>
-        <p:spPr/>
-        <p:txBody>
-          <a:bodyPr/>
-          <a:lstStyle/>
-          <a:p>
-            <a:fld id="{3D71FD17-EB80-4451-97FD-7C850897199A}" type="slidenum">
-              <a:rPr lang="ko-KR" altLang="en-US" smtClean="0"/>
-              <a:t>14</a:t>
-            </a:fld>
-            <a:endParaRPr lang="ko-KR" altLang="en-US" dirty="0"/>
-          </a:p>
-        </p:txBody>
-      </p:sp>
     </p:spTree>
     <p:extLst>
       <p:ext uri="{BB962C8B-B14F-4D97-AF65-F5344CB8AC3E}">
@@ -4332,7 +4048,7 @@
 </p:sld>
 </file>
 
-<file path=ppt/slides/slide15.xml><?xml version="1.0" encoding="utf-8"?>
+<file path=ppt/slides/slide13.xml><?xml version="1.0" encoding="utf-8"?>
 <p:sld xmlns:a="http://schemas.openxmlformats.org/drawingml/2006/main" xmlns:r="http://schemas.openxmlformats.org/officeDocument/2006/relationships" xmlns:p="http://schemas.openxmlformats.org/presentationml/2006/main">
   <p:cSld>
     <p:spTree>
@@ -4378,7 +4094,7 @@
           <a:p>
             <a:fld id="{3D71FD17-EB80-4451-97FD-7C850897199A}" type="slidenum">
               <a:rPr lang="ko-KR" altLang="en-US" smtClean="0"/>
-              <a:t>15</a:t>
+              <a:t>13</a:t>
             </a:fld>
             <a:endParaRPr lang="ko-KR" altLang="en-US" dirty="0"/>
           </a:p>
@@ -4585,12 +4301,41 @@
           <a:chExt cx="0" cy="0"/>
         </a:xfrm>
       </p:grpSpPr>
+      <p:sp>
+        <p:nvSpPr>
+          <p:cNvPr id="11" name="슬라이드 번호 개체 틀 10">
+            <a:extLst>
+              <a:ext uri="{FF2B5EF4-FFF2-40B4-BE49-F238E27FC236}">
+                <a16:creationId xmlns:a16="http://schemas.microsoft.com/office/drawing/2014/main" id="{96E9B127-3480-5C02-A591-68E4D2F46426}"/>
+              </a:ext>
+            </a:extLst>
+          </p:cNvPr>
+          <p:cNvSpPr>
+            <a:spLocks noGrp="1"/>
+          </p:cNvSpPr>
+          <p:nvPr>
+            <p:ph type="sldNum" sz="quarter" idx="12"/>
+          </p:nvPr>
+        </p:nvSpPr>
+        <p:spPr/>
+        <p:txBody>
+          <a:bodyPr/>
+          <a:lstStyle/>
+          <a:p>
+            <a:fld id="{3D71FD17-EB80-4451-97FD-7C850897199A}" type="slidenum">
+              <a:rPr lang="ko-KR" altLang="en-US" smtClean="0"/>
+              <a:t>3</a:t>
+            </a:fld>
+            <a:endParaRPr lang="ko-KR" altLang="en-US"/>
+          </a:p>
+        </p:txBody>
+      </p:sp>
       <p:pic>
         <p:nvPicPr>
-          <p:cNvPr id="5" name="그림 4">
-            <a:extLst>
-              <a:ext uri="{FF2B5EF4-FFF2-40B4-BE49-F238E27FC236}">
-                <a16:creationId xmlns:a16="http://schemas.microsoft.com/office/drawing/2014/main" id="{80D0302E-856D-9C67-6CCD-073C6C2BA2E3}"/>
+          <p:cNvPr id="6" name="그림 5">
+            <a:extLst>
+              <a:ext uri="{FF2B5EF4-FFF2-40B4-BE49-F238E27FC236}">
+                <a16:creationId xmlns:a16="http://schemas.microsoft.com/office/drawing/2014/main" id="{E8EAE787-62D0-0CC6-F800-43B037F590D6}"/>
               </a:ext>
             </a:extLst>
           </p:cNvPr>
@@ -4607,43 +4352,14 @@
         </p:blipFill>
         <p:spPr>
           <a:xfrm>
-            <a:off x="2355850" y="0"/>
-            <a:ext cx="8229600" cy="6858000"/>
+            <a:off x="526808" y="136525"/>
+            <a:ext cx="10364495" cy="6633633"/>
           </a:xfrm>
           <a:prstGeom prst="rect">
             <a:avLst/>
           </a:prstGeom>
         </p:spPr>
       </p:pic>
-      <p:sp>
-        <p:nvSpPr>
-          <p:cNvPr id="11" name="슬라이드 번호 개체 틀 10">
-            <a:extLst>
-              <a:ext uri="{FF2B5EF4-FFF2-40B4-BE49-F238E27FC236}">
-                <a16:creationId xmlns:a16="http://schemas.microsoft.com/office/drawing/2014/main" id="{96E9B127-3480-5C02-A591-68E4D2F46426}"/>
-              </a:ext>
-            </a:extLst>
-          </p:cNvPr>
-          <p:cNvSpPr>
-            <a:spLocks noGrp="1"/>
-          </p:cNvSpPr>
-          <p:nvPr>
-            <p:ph type="sldNum" sz="quarter" idx="12"/>
-          </p:nvPr>
-        </p:nvSpPr>
-        <p:spPr/>
-        <p:txBody>
-          <a:bodyPr/>
-          <a:lstStyle/>
-          <a:p>
-            <a:fld id="{3D71FD17-EB80-4451-97FD-7C850897199A}" type="slidenum">
-              <a:rPr lang="ko-KR" altLang="en-US" smtClean="0"/>
-              <a:t>3</a:t>
-            </a:fld>
-            <a:endParaRPr lang="ko-KR" altLang="en-US"/>
-          </a:p>
-        </p:txBody>
-      </p:sp>
     </p:spTree>
     <p:extLst>
       <p:ext uri="{BB962C8B-B14F-4D97-AF65-F5344CB8AC3E}">
@@ -4674,12 +4390,41 @@
           <a:chExt cx="0" cy="0"/>
         </a:xfrm>
       </p:grpSpPr>
+      <p:sp>
+        <p:nvSpPr>
+          <p:cNvPr id="22" name="슬라이드 번호 개체 틀 21">
+            <a:extLst>
+              <a:ext uri="{FF2B5EF4-FFF2-40B4-BE49-F238E27FC236}">
+                <a16:creationId xmlns:a16="http://schemas.microsoft.com/office/drawing/2014/main" id="{6AE6F0C2-377A-864A-3B23-5F971D7EF436}"/>
+              </a:ext>
+            </a:extLst>
+          </p:cNvPr>
+          <p:cNvSpPr>
+            <a:spLocks noGrp="1"/>
+          </p:cNvSpPr>
+          <p:nvPr>
+            <p:ph type="sldNum" sz="quarter" idx="12"/>
+          </p:nvPr>
+        </p:nvSpPr>
+        <p:spPr/>
+        <p:txBody>
+          <a:bodyPr/>
+          <a:lstStyle/>
+          <a:p>
+            <a:fld id="{3D71FD17-EB80-4451-97FD-7C850897199A}" type="slidenum">
+              <a:rPr lang="ko-KR" altLang="en-US" smtClean="0"/>
+              <a:t>4</a:t>
+            </a:fld>
+            <a:endParaRPr lang="ko-KR" altLang="en-US"/>
+          </a:p>
+        </p:txBody>
+      </p:sp>
       <p:pic>
         <p:nvPicPr>
-          <p:cNvPr id="11" name="그림 10">
-            <a:extLst>
-              <a:ext uri="{FF2B5EF4-FFF2-40B4-BE49-F238E27FC236}">
-                <a16:creationId xmlns:a16="http://schemas.microsoft.com/office/drawing/2014/main" id="{DE7BFB7E-8EC7-0DFA-5CA5-8A09CD6BDA70}"/>
+          <p:cNvPr id="3" name="그림 2">
+            <a:extLst>
+              <a:ext uri="{FF2B5EF4-FFF2-40B4-BE49-F238E27FC236}">
+                <a16:creationId xmlns:a16="http://schemas.microsoft.com/office/drawing/2014/main" id="{F13EFA78-AD3A-D3EB-0703-07A07A604FEA}"/>
               </a:ext>
             </a:extLst>
           </p:cNvPr>
@@ -4696,43 +4441,14 @@
         </p:blipFill>
         <p:spPr>
           <a:xfrm>
-            <a:off x="1870175" y="0"/>
-            <a:ext cx="8200925" cy="6850127"/>
+            <a:off x="500554" y="91016"/>
+            <a:ext cx="10424060" cy="6675967"/>
           </a:xfrm>
           <a:prstGeom prst="rect">
             <a:avLst/>
           </a:prstGeom>
         </p:spPr>
       </p:pic>
-      <p:sp>
-        <p:nvSpPr>
-          <p:cNvPr id="22" name="슬라이드 번호 개체 틀 21">
-            <a:extLst>
-              <a:ext uri="{FF2B5EF4-FFF2-40B4-BE49-F238E27FC236}">
-                <a16:creationId xmlns:a16="http://schemas.microsoft.com/office/drawing/2014/main" id="{6AE6F0C2-377A-864A-3B23-5F971D7EF436}"/>
-              </a:ext>
-            </a:extLst>
-          </p:cNvPr>
-          <p:cNvSpPr>
-            <a:spLocks noGrp="1"/>
-          </p:cNvSpPr>
-          <p:nvPr>
-            <p:ph type="sldNum" sz="quarter" idx="12"/>
-          </p:nvPr>
-        </p:nvSpPr>
-        <p:spPr/>
-        <p:txBody>
-          <a:bodyPr/>
-          <a:lstStyle/>
-          <a:p>
-            <a:fld id="{3D71FD17-EB80-4451-97FD-7C850897199A}" type="slidenum">
-              <a:rPr lang="ko-KR" altLang="en-US" smtClean="0"/>
-              <a:t>4</a:t>
-            </a:fld>
-            <a:endParaRPr lang="ko-KR" altLang="en-US"/>
-          </a:p>
-        </p:txBody>
-      </p:sp>
     </p:spTree>
     <p:extLst>
       <p:ext uri="{BB962C8B-B14F-4D97-AF65-F5344CB8AC3E}">
@@ -4747,296 +4463,6 @@
 </file>
 
 <file path=ppt/slides/slide5.xml><?xml version="1.0" encoding="utf-8"?>
-<p:sld xmlns:a="http://schemas.openxmlformats.org/drawingml/2006/main" xmlns:r="http://schemas.openxmlformats.org/officeDocument/2006/relationships" xmlns:p="http://schemas.openxmlformats.org/presentationml/2006/main">
-  <p:cSld>
-    <p:spTree>
-      <p:nvGrpSpPr>
-        <p:cNvPr id="1" name=""/>
-        <p:cNvGrpSpPr/>
-        <p:nvPr/>
-      </p:nvGrpSpPr>
-      <p:grpSpPr>
-        <a:xfrm>
-          <a:off x="0" y="0"/>
-          <a:ext cx="0" cy="0"/>
-          <a:chOff x="0" y="0"/>
-          <a:chExt cx="0" cy="0"/>
-        </a:xfrm>
-      </p:grpSpPr>
-      <p:pic>
-        <p:nvPicPr>
-          <p:cNvPr id="17" name="그림 16">
-            <a:extLst>
-              <a:ext uri="{FF2B5EF4-FFF2-40B4-BE49-F238E27FC236}">
-                <a16:creationId xmlns:a16="http://schemas.microsoft.com/office/drawing/2014/main" id="{A92DCB06-8110-724B-1EE4-BFB2175DE421}"/>
-              </a:ext>
-            </a:extLst>
-          </p:cNvPr>
-          <p:cNvPicPr>
-            <a:picLocks noChangeAspect="1"/>
-          </p:cNvPicPr>
-          <p:nvPr/>
-        </p:nvPicPr>
-        <p:blipFill>
-          <a:blip r:embed="rId2"/>
-          <a:stretch>
-            <a:fillRect/>
-          </a:stretch>
-        </p:blipFill>
-        <p:spPr>
-          <a:xfrm>
-            <a:off x="838200" y="21145"/>
-            <a:ext cx="10248900" cy="6815709"/>
-          </a:xfrm>
-          <a:prstGeom prst="rect">
-            <a:avLst/>
-          </a:prstGeom>
-        </p:spPr>
-      </p:pic>
-      <p:sp>
-        <p:nvSpPr>
-          <p:cNvPr id="22" name="슬라이드 번호 개체 틀 21">
-            <a:extLst>
-              <a:ext uri="{FF2B5EF4-FFF2-40B4-BE49-F238E27FC236}">
-                <a16:creationId xmlns:a16="http://schemas.microsoft.com/office/drawing/2014/main" id="{FA3D68B5-3950-AD45-ABDC-4585A1A9F23C}"/>
-              </a:ext>
-            </a:extLst>
-          </p:cNvPr>
-          <p:cNvSpPr>
-            <a:spLocks noGrp="1"/>
-          </p:cNvSpPr>
-          <p:nvPr>
-            <p:ph type="sldNum" sz="quarter" idx="12"/>
-          </p:nvPr>
-        </p:nvSpPr>
-        <p:spPr/>
-        <p:txBody>
-          <a:bodyPr/>
-          <a:lstStyle/>
-          <a:p>
-            <a:fld id="{3D71FD17-EB80-4451-97FD-7C850897199A}" type="slidenum">
-              <a:rPr lang="ko-KR" altLang="en-US" smtClean="0"/>
-              <a:t>5</a:t>
-            </a:fld>
-            <a:endParaRPr lang="ko-KR" altLang="en-US"/>
-          </a:p>
-        </p:txBody>
-      </p:sp>
-    </p:spTree>
-    <p:extLst>
-      <p:ext uri="{BB962C8B-B14F-4D97-AF65-F5344CB8AC3E}">
-        <p14:creationId xmlns:p14="http://schemas.microsoft.com/office/powerpoint/2010/main" val="707092290"/>
-      </p:ext>
-    </p:extLst>
-  </p:cSld>
-  <p:clrMapOvr>
-    <a:masterClrMapping/>
-  </p:clrMapOvr>
-</p:sld>
-</file>
-
-<file path=ppt/slides/slide6.xml><?xml version="1.0" encoding="utf-8"?>
-<p:sld xmlns:a="http://schemas.openxmlformats.org/drawingml/2006/main" xmlns:r="http://schemas.openxmlformats.org/officeDocument/2006/relationships" xmlns:p="http://schemas.openxmlformats.org/presentationml/2006/main">
-  <p:cSld>
-    <p:spTree>
-      <p:nvGrpSpPr>
-        <p:cNvPr id="1" name=""/>
-        <p:cNvGrpSpPr/>
-        <p:nvPr/>
-      </p:nvGrpSpPr>
-      <p:grpSpPr>
-        <a:xfrm>
-          <a:off x="0" y="0"/>
-          <a:ext cx="0" cy="0"/>
-          <a:chOff x="0" y="0"/>
-          <a:chExt cx="0" cy="0"/>
-        </a:xfrm>
-      </p:grpSpPr>
-      <p:pic>
-        <p:nvPicPr>
-          <p:cNvPr id="6" name="그림 5">
-            <a:extLst>
-              <a:ext uri="{FF2B5EF4-FFF2-40B4-BE49-F238E27FC236}">
-                <a16:creationId xmlns:a16="http://schemas.microsoft.com/office/drawing/2014/main" id="{19F73C58-9D72-7915-4211-079FC77DB7ED}"/>
-              </a:ext>
-            </a:extLst>
-          </p:cNvPr>
-          <p:cNvPicPr>
-            <a:picLocks noChangeAspect="1"/>
-          </p:cNvPicPr>
-          <p:nvPr/>
-        </p:nvPicPr>
-        <p:blipFill>
-          <a:blip r:embed="rId2"/>
-          <a:stretch>
-            <a:fillRect/>
-          </a:stretch>
-        </p:blipFill>
-        <p:spPr>
-          <a:xfrm>
-            <a:off x="309428" y="0"/>
-            <a:ext cx="8207644" cy="6858000"/>
-          </a:xfrm>
-          <a:prstGeom prst="rect">
-            <a:avLst/>
-          </a:prstGeom>
-        </p:spPr>
-      </p:pic>
-      <p:pic>
-        <p:nvPicPr>
-          <p:cNvPr id="8" name="그림 7">
-            <a:extLst>
-              <a:ext uri="{FF2B5EF4-FFF2-40B4-BE49-F238E27FC236}">
-                <a16:creationId xmlns:a16="http://schemas.microsoft.com/office/drawing/2014/main" id="{32D2C352-533C-0B8F-0F11-50276213E2AE}"/>
-              </a:ext>
-            </a:extLst>
-          </p:cNvPr>
-          <p:cNvPicPr>
-            <a:picLocks noChangeAspect="1"/>
-          </p:cNvPicPr>
-          <p:nvPr/>
-        </p:nvPicPr>
-        <p:blipFill>
-          <a:blip r:embed="rId3"/>
-          <a:stretch>
-            <a:fillRect/>
-          </a:stretch>
-        </p:blipFill>
-        <p:spPr>
-          <a:xfrm>
-            <a:off x="7132122" y="3877358"/>
-            <a:ext cx="4543693" cy="1701338"/>
-          </a:xfrm>
-          <a:prstGeom prst="rect">
-            <a:avLst/>
-          </a:prstGeom>
-        </p:spPr>
-      </p:pic>
-      <p:sp>
-        <p:nvSpPr>
-          <p:cNvPr id="12" name="슬라이드 번호 개체 틀 11">
-            <a:extLst>
-              <a:ext uri="{FF2B5EF4-FFF2-40B4-BE49-F238E27FC236}">
-                <a16:creationId xmlns:a16="http://schemas.microsoft.com/office/drawing/2014/main" id="{012F3A45-2B75-A561-0DAF-0D4B5E65128D}"/>
-              </a:ext>
-            </a:extLst>
-          </p:cNvPr>
-          <p:cNvSpPr>
-            <a:spLocks noGrp="1"/>
-          </p:cNvSpPr>
-          <p:nvPr>
-            <p:ph type="sldNum" sz="quarter" idx="12"/>
-          </p:nvPr>
-        </p:nvSpPr>
-        <p:spPr/>
-        <p:txBody>
-          <a:bodyPr/>
-          <a:lstStyle/>
-          <a:p>
-            <a:fld id="{3D71FD17-EB80-4451-97FD-7C850897199A}" type="slidenum">
-              <a:rPr lang="ko-KR" altLang="en-US" smtClean="0"/>
-              <a:t>6</a:t>
-            </a:fld>
-            <a:endParaRPr lang="ko-KR" altLang="en-US"/>
-          </a:p>
-        </p:txBody>
-      </p:sp>
-      <p:sp>
-        <p:nvSpPr>
-          <p:cNvPr id="14" name="화살표: 오른쪽 13">
-            <a:extLst>
-              <a:ext uri="{FF2B5EF4-FFF2-40B4-BE49-F238E27FC236}">
-                <a16:creationId xmlns:a16="http://schemas.microsoft.com/office/drawing/2014/main" id="{4AD29688-5B51-982F-D43B-83B478AC1DA8}"/>
-              </a:ext>
-            </a:extLst>
-          </p:cNvPr>
-          <p:cNvSpPr/>
-          <p:nvPr/>
-        </p:nvSpPr>
-        <p:spPr>
-          <a:xfrm>
-            <a:off x="6135172" y="4495800"/>
-            <a:ext cx="996950" cy="666750"/>
-          </a:xfrm>
-          <a:prstGeom prst="rightArrow">
-            <a:avLst/>
-          </a:prstGeom>
-        </p:spPr>
-        <p:style>
-          <a:lnRef idx="2">
-            <a:schemeClr val="accent1">
-              <a:shade val="15000"/>
-            </a:schemeClr>
-          </a:lnRef>
-          <a:fillRef idx="1">
-            <a:schemeClr val="accent1"/>
-          </a:fillRef>
-          <a:effectRef idx="0">
-            <a:schemeClr val="accent1"/>
-          </a:effectRef>
-          <a:fontRef idx="minor">
-            <a:schemeClr val="lt1"/>
-          </a:fontRef>
-        </p:style>
-        <p:txBody>
-          <a:bodyPr rtlCol="0" anchor="ctr"/>
-          <a:lstStyle/>
-          <a:p>
-            <a:pPr algn="ctr"/>
-            <a:endParaRPr lang="ko-KR" altLang="en-US"/>
-          </a:p>
-        </p:txBody>
-      </p:sp>
-      <p:sp>
-        <p:nvSpPr>
-          <p:cNvPr id="15" name="TextBox 14">
-            <a:extLst>
-              <a:ext uri="{FF2B5EF4-FFF2-40B4-BE49-F238E27FC236}">
-                <a16:creationId xmlns:a16="http://schemas.microsoft.com/office/drawing/2014/main" id="{2A6B88BE-EA22-8CB6-95CD-9E035853E5A4}"/>
-              </a:ext>
-            </a:extLst>
-          </p:cNvPr>
-          <p:cNvSpPr txBox="1"/>
-          <p:nvPr/>
-        </p:nvSpPr>
-        <p:spPr>
-          <a:xfrm>
-            <a:off x="4801461" y="5182045"/>
-            <a:ext cx="2508250" cy="369332"/>
-          </a:xfrm>
-          <a:prstGeom prst="rect">
-            <a:avLst/>
-          </a:prstGeom>
-          <a:noFill/>
-        </p:spPr>
-        <p:txBody>
-          <a:bodyPr wrap="square" rtlCol="0">
-            <a:spAutoFit/>
-          </a:bodyPr>
-          <a:lstStyle/>
-          <a:p>
-            <a:r>
-              <a:rPr lang="ko-KR" altLang="en-US"/>
-              <a:t>검증 버튼 누르면 조회</a:t>
-            </a:r>
-            <a:endParaRPr lang="ko-KR" altLang="en-US" dirty="0"/>
-          </a:p>
-        </p:txBody>
-      </p:sp>
-    </p:spTree>
-    <p:extLst>
-      <p:ext uri="{BB962C8B-B14F-4D97-AF65-F5344CB8AC3E}">
-        <p14:creationId xmlns:p14="http://schemas.microsoft.com/office/powerpoint/2010/main" val="1985105265"/>
-      </p:ext>
-    </p:extLst>
-  </p:cSld>
-  <p:clrMapOvr>
-    <a:masterClrMapping/>
-  </p:clrMapOvr>
-</p:sld>
-</file>
-
-<file path=ppt/slides/slide7.xml><?xml version="1.0" encoding="utf-8"?>
 <p:sld xmlns:a="http://schemas.openxmlformats.org/drawingml/2006/main" xmlns:r="http://schemas.openxmlformats.org/officeDocument/2006/relationships" xmlns:p="http://schemas.openxmlformats.org/presentationml/2006/main">
   <p:cSld>
     <p:spTree>
@@ -5082,7 +4508,7 @@
           <a:p>
             <a:fld id="{3D71FD17-EB80-4451-97FD-7C850897199A}" type="slidenum">
               <a:rPr lang="ko-KR" altLang="en-US" smtClean="0"/>
-              <a:t>7</a:t>
+              <a:t>5</a:t>
             </a:fld>
             <a:endParaRPr lang="ko-KR" altLang="en-US"/>
           </a:p>
@@ -5090,10 +4516,10 @@
       </p:sp>
       <p:pic>
         <p:nvPicPr>
-          <p:cNvPr id="4" name="그림 3">
-            <a:extLst>
-              <a:ext uri="{FF2B5EF4-FFF2-40B4-BE49-F238E27FC236}">
-                <a16:creationId xmlns:a16="http://schemas.microsoft.com/office/drawing/2014/main" id="{545BB9A0-35BF-CDBA-1C6E-F1172326820B}"/>
+          <p:cNvPr id="6" name="그림 5">
+            <a:extLst>
+              <a:ext uri="{FF2B5EF4-FFF2-40B4-BE49-F238E27FC236}">
+                <a16:creationId xmlns:a16="http://schemas.microsoft.com/office/drawing/2014/main" id="{85047677-BBC9-49E0-080A-EA36DFB5AA82}"/>
               </a:ext>
             </a:extLst>
           </p:cNvPr>
@@ -5110,14 +4536,133 @@
         </p:blipFill>
         <p:spPr>
           <a:xfrm>
-            <a:off x="1875063" y="0"/>
-            <a:ext cx="8234053" cy="6858000"/>
+            <a:off x="653498" y="0"/>
+            <a:ext cx="10012936" cy="6858000"/>
           </a:xfrm>
           <a:prstGeom prst="rect">
             <a:avLst/>
           </a:prstGeom>
         </p:spPr>
       </p:pic>
+      <p:pic>
+        <p:nvPicPr>
+          <p:cNvPr id="9" name="그림 8">
+            <a:extLst>
+              <a:ext uri="{FF2B5EF4-FFF2-40B4-BE49-F238E27FC236}">
+                <a16:creationId xmlns:a16="http://schemas.microsoft.com/office/drawing/2014/main" id="{4C70AB90-9836-33AC-ECD4-8842788A9786}"/>
+              </a:ext>
+            </a:extLst>
+          </p:cNvPr>
+          <p:cNvPicPr>
+            <a:picLocks noChangeAspect="1"/>
+          </p:cNvPicPr>
+          <p:nvPr/>
+        </p:nvPicPr>
+        <p:blipFill>
+          <a:blip r:embed="rId3"/>
+          <a:stretch>
+            <a:fillRect/>
+          </a:stretch>
+        </p:blipFill>
+        <p:spPr>
+          <a:xfrm>
+            <a:off x="7074697" y="3873250"/>
+            <a:ext cx="4873581" cy="1541183"/>
+          </a:xfrm>
+          <a:prstGeom prst="rect">
+            <a:avLst/>
+          </a:prstGeom>
+        </p:spPr>
+      </p:pic>
+      <p:sp>
+        <p:nvSpPr>
+          <p:cNvPr id="10" name="화살표: 오른쪽 9">
+            <a:extLst>
+              <a:ext uri="{FF2B5EF4-FFF2-40B4-BE49-F238E27FC236}">
+                <a16:creationId xmlns:a16="http://schemas.microsoft.com/office/drawing/2014/main" id="{77D42165-7842-193C-B9A5-320376610D54}"/>
+              </a:ext>
+            </a:extLst>
+          </p:cNvPr>
+          <p:cNvSpPr/>
+          <p:nvPr/>
+        </p:nvSpPr>
+        <p:spPr>
+          <a:xfrm>
+            <a:off x="6180667" y="4580467"/>
+            <a:ext cx="762000" cy="296333"/>
+          </a:xfrm>
+          <a:prstGeom prst="rightArrow">
+            <a:avLst/>
+          </a:prstGeom>
+        </p:spPr>
+        <p:style>
+          <a:lnRef idx="2">
+            <a:schemeClr val="accent1">
+              <a:shade val="15000"/>
+            </a:schemeClr>
+          </a:lnRef>
+          <a:fillRef idx="1">
+            <a:schemeClr val="accent1"/>
+          </a:fillRef>
+          <a:effectRef idx="0">
+            <a:schemeClr val="accent1"/>
+          </a:effectRef>
+          <a:fontRef idx="minor">
+            <a:schemeClr val="lt1"/>
+          </a:fontRef>
+        </p:style>
+        <p:txBody>
+          <a:bodyPr rtlCol="0" anchor="ctr"/>
+          <a:lstStyle/>
+          <a:p>
+            <a:pPr algn="ctr"/>
+            <a:endParaRPr lang="ko-KR" altLang="en-US"/>
+          </a:p>
+        </p:txBody>
+      </p:sp>
+      <p:sp>
+        <p:nvSpPr>
+          <p:cNvPr id="11" name="TextBox 10">
+            <a:extLst>
+              <a:ext uri="{FF2B5EF4-FFF2-40B4-BE49-F238E27FC236}">
+                <a16:creationId xmlns:a16="http://schemas.microsoft.com/office/drawing/2014/main" id="{14BB1FA9-4BF5-8979-30E9-F3434B82AC97}"/>
+              </a:ext>
+            </a:extLst>
+          </p:cNvPr>
+          <p:cNvSpPr txBox="1"/>
+          <p:nvPr/>
+        </p:nvSpPr>
+        <p:spPr>
+          <a:xfrm>
+            <a:off x="4539823" y="4936066"/>
+            <a:ext cx="2711877" cy="369332"/>
+          </a:xfrm>
+          <a:prstGeom prst="rect">
+            <a:avLst/>
+          </a:prstGeom>
+          <a:noFill/>
+        </p:spPr>
+        <p:txBody>
+          <a:bodyPr wrap="square" rtlCol="0">
+            <a:spAutoFit/>
+          </a:bodyPr>
+          <a:lstStyle/>
+          <a:p>
+            <a:r>
+              <a:rPr lang="en-US" altLang="ko-KR" dirty="0"/>
+              <a:t>※</a:t>
+            </a:r>
+            <a:r>
+              <a:rPr lang="ko-KR" altLang="en-US" dirty="0" err="1"/>
+              <a:t>검증버튼누르면</a:t>
+            </a:r>
+            <a:r>
+              <a:rPr lang="ko-KR" altLang="en-US" dirty="0"/>
+              <a:t> 조회</a:t>
+            </a:r>
+          </a:p>
+        </p:txBody>
+      </p:sp>
     </p:spTree>
     <p:extLst>
       <p:ext uri="{BB962C8B-B14F-4D97-AF65-F5344CB8AC3E}">
@@ -5131,7 +4676,7 @@
 </p:sld>
 </file>
 
-<file path=ppt/slides/slide8.xml><?xml version="1.0" encoding="utf-8"?>
+<file path=ppt/slides/slide6.xml><?xml version="1.0" encoding="utf-8"?>
 <p:sld xmlns:a="http://schemas.openxmlformats.org/drawingml/2006/main" xmlns:r="http://schemas.openxmlformats.org/officeDocument/2006/relationships" xmlns:p="http://schemas.openxmlformats.org/presentationml/2006/main">
   <p:cSld>
     <p:spTree>
@@ -5177,7 +4722,7 @@
           <a:p>
             <a:fld id="{3D71FD17-EB80-4451-97FD-7C850897199A}" type="slidenum">
               <a:rPr lang="ko-KR" altLang="en-US" smtClean="0"/>
-              <a:t>8</a:t>
+              <a:t>6</a:t>
             </a:fld>
             <a:endParaRPr lang="ko-KR" altLang="en-US"/>
           </a:p>
@@ -5185,10 +4730,10 @@
       </p:sp>
       <p:pic>
         <p:nvPicPr>
-          <p:cNvPr id="4" name="그림 3">
-            <a:extLst>
-              <a:ext uri="{FF2B5EF4-FFF2-40B4-BE49-F238E27FC236}">
-                <a16:creationId xmlns:a16="http://schemas.microsoft.com/office/drawing/2014/main" id="{AEF88581-88C0-B868-D613-3A6E18429A2C}"/>
+          <p:cNvPr id="6" name="그림 5">
+            <a:extLst>
+              <a:ext uri="{FF2B5EF4-FFF2-40B4-BE49-F238E27FC236}">
+                <a16:creationId xmlns:a16="http://schemas.microsoft.com/office/drawing/2014/main" id="{37BCE6DB-7633-767A-1C33-CC0F848A98EF}"/>
               </a:ext>
             </a:extLst>
           </p:cNvPr>
@@ -5205,8 +4750,8 @@
         </p:blipFill>
         <p:spPr>
           <a:xfrm>
-            <a:off x="2167467" y="65083"/>
-            <a:ext cx="7772400" cy="6548029"/>
+            <a:off x="775154" y="0"/>
+            <a:ext cx="9914013" cy="6788738"/>
           </a:xfrm>
           <a:prstGeom prst="rect">
             <a:avLst/>
@@ -5226,7 +4771,7 @@
 </p:sld>
 </file>
 
-<file path=ppt/slides/slide9.xml><?xml version="1.0" encoding="utf-8"?>
+<file path=ppt/slides/slide7.xml><?xml version="1.0" encoding="utf-8"?>
 <p:sld xmlns:a="http://schemas.openxmlformats.org/drawingml/2006/main" xmlns:r="http://schemas.openxmlformats.org/officeDocument/2006/relationships" xmlns:p="http://schemas.openxmlformats.org/presentationml/2006/main">
   <p:cSld>
     <p:spTree>
@@ -5266,7 +4811,7 @@
           <a:p>
             <a:fld id="{3D71FD17-EB80-4451-97FD-7C850897199A}" type="slidenum">
               <a:rPr lang="ko-KR" altLang="en-US" smtClean="0"/>
-              <a:t>9</a:t>
+              <a:t>7</a:t>
             </a:fld>
             <a:endParaRPr lang="ko-KR" altLang="en-US"/>
           </a:p>
@@ -5294,8 +4839,8 @@
         </p:blipFill>
         <p:spPr>
           <a:xfrm>
-            <a:off x="5985488" y="1240886"/>
-            <a:ext cx="6159497" cy="4977034"/>
+            <a:off x="6179503" y="1300153"/>
+            <a:ext cx="5982415" cy="4833947"/>
           </a:xfrm>
           <a:prstGeom prst="rect">
             <a:avLst/>
@@ -5304,10 +4849,10 @@
       </p:pic>
       <p:pic>
         <p:nvPicPr>
-          <p:cNvPr id="6" name="그림 5">
-            <a:extLst>
-              <a:ext uri="{FF2B5EF4-FFF2-40B4-BE49-F238E27FC236}">
-                <a16:creationId xmlns:a16="http://schemas.microsoft.com/office/drawing/2014/main" id="{21431AC7-E6C1-D67F-ED3A-E46E26C8BD05}"/>
+          <p:cNvPr id="10" name="그림 9">
+            <a:extLst>
+              <a:ext uri="{FF2B5EF4-FFF2-40B4-BE49-F238E27FC236}">
+                <a16:creationId xmlns:a16="http://schemas.microsoft.com/office/drawing/2014/main" id="{A1B8D3AB-373A-A01D-EBF8-424AD0E0B944}"/>
               </a:ext>
             </a:extLst>
           </p:cNvPr>
@@ -5324,8 +4869,8 @@
         </p:blipFill>
         <p:spPr>
           <a:xfrm>
-            <a:off x="93999" y="640080"/>
-            <a:ext cx="5891489" cy="4553518"/>
+            <a:off x="0" y="175683"/>
+            <a:ext cx="6216845" cy="4167717"/>
           </a:xfrm>
           <a:prstGeom prst="rect">
             <a:avLst/>
@@ -5336,6 +4881,288 @@
     <p:extLst>
       <p:ext uri="{BB962C8B-B14F-4D97-AF65-F5344CB8AC3E}">
         <p14:creationId xmlns:p14="http://schemas.microsoft.com/office/powerpoint/2010/main" val="3945205956"/>
+      </p:ext>
+    </p:extLst>
+  </p:cSld>
+  <p:clrMapOvr>
+    <a:masterClrMapping/>
+  </p:clrMapOvr>
+</p:sld>
+</file>
+
+<file path=ppt/slides/slide8.xml><?xml version="1.0" encoding="utf-8"?>
+<p:sld xmlns:a="http://schemas.openxmlformats.org/drawingml/2006/main" xmlns:r="http://schemas.openxmlformats.org/officeDocument/2006/relationships" xmlns:p="http://schemas.openxmlformats.org/presentationml/2006/main">
+  <p:cSld>
+    <p:spTree>
+      <p:nvGrpSpPr>
+        <p:cNvPr id="1" name="">
+          <a:extLst>
+            <a:ext uri="{FF2B5EF4-FFF2-40B4-BE49-F238E27FC236}">
+              <a16:creationId xmlns:a16="http://schemas.microsoft.com/office/drawing/2014/main" id="{D81A5981-D5F6-EA40-B830-2EE21E28E2EC}"/>
+            </a:ext>
+          </a:extLst>
+        </p:cNvPr>
+        <p:cNvGrpSpPr/>
+        <p:nvPr/>
+      </p:nvGrpSpPr>
+      <p:grpSpPr>
+        <a:xfrm>
+          <a:off x="0" y="0"/>
+          <a:ext cx="0" cy="0"/>
+          <a:chOff x="0" y="0"/>
+          <a:chExt cx="0" cy="0"/>
+        </a:xfrm>
+      </p:grpSpPr>
+      <p:sp>
+        <p:nvSpPr>
+          <p:cNvPr id="8" name="슬라이드 번호 개체 틀 7">
+            <a:extLst>
+              <a:ext uri="{FF2B5EF4-FFF2-40B4-BE49-F238E27FC236}">
+                <a16:creationId xmlns:a16="http://schemas.microsoft.com/office/drawing/2014/main" id="{850A3460-1879-B617-4046-3B11D54F0A14}"/>
+              </a:ext>
+            </a:extLst>
+          </p:cNvPr>
+          <p:cNvSpPr>
+            <a:spLocks noGrp="1"/>
+          </p:cNvSpPr>
+          <p:nvPr>
+            <p:ph type="sldNum" sz="quarter" idx="12"/>
+          </p:nvPr>
+        </p:nvSpPr>
+        <p:spPr/>
+        <p:txBody>
+          <a:bodyPr/>
+          <a:lstStyle/>
+          <a:p>
+            <a:fld id="{3D71FD17-EB80-4451-97FD-7C850897199A}" type="slidenum">
+              <a:rPr lang="ko-KR" altLang="en-US" smtClean="0"/>
+              <a:t>8</a:t>
+            </a:fld>
+            <a:endParaRPr lang="ko-KR" altLang="en-US"/>
+          </a:p>
+        </p:txBody>
+      </p:sp>
+      <p:pic>
+        <p:nvPicPr>
+          <p:cNvPr id="6" name="그림 5">
+            <a:extLst>
+              <a:ext uri="{FF2B5EF4-FFF2-40B4-BE49-F238E27FC236}">
+                <a16:creationId xmlns:a16="http://schemas.microsoft.com/office/drawing/2014/main" id="{163DA290-AA8B-0E70-4FE9-0CA1E21CE5B6}"/>
+              </a:ext>
+            </a:extLst>
+          </p:cNvPr>
+          <p:cNvPicPr>
+            <a:picLocks noChangeAspect="1"/>
+          </p:cNvPicPr>
+          <p:nvPr/>
+        </p:nvPicPr>
+        <p:blipFill>
+          <a:blip r:embed="rId2"/>
+          <a:stretch>
+            <a:fillRect/>
+          </a:stretch>
+        </p:blipFill>
+        <p:spPr>
+          <a:xfrm>
+            <a:off x="838200" y="0"/>
+            <a:ext cx="9926615" cy="6858000"/>
+          </a:xfrm>
+          <a:prstGeom prst="rect">
+            <a:avLst/>
+          </a:prstGeom>
+        </p:spPr>
+      </p:pic>
+      <p:sp>
+        <p:nvSpPr>
+          <p:cNvPr id="9" name="직사각형 8">
+            <a:extLst>
+              <a:ext uri="{FF2B5EF4-FFF2-40B4-BE49-F238E27FC236}">
+                <a16:creationId xmlns:a16="http://schemas.microsoft.com/office/drawing/2014/main" id="{6290AF54-599A-BBC0-CDA1-75B66BC07F80}"/>
+              </a:ext>
+            </a:extLst>
+          </p:cNvPr>
+          <p:cNvSpPr/>
+          <p:nvPr/>
+        </p:nvSpPr>
+        <p:spPr>
+          <a:xfrm>
+            <a:off x="6946900" y="1631830"/>
+            <a:ext cx="2659812" cy="1667774"/>
+          </a:xfrm>
+          <a:prstGeom prst="rect">
+            <a:avLst/>
+          </a:prstGeom>
+          <a:noFill/>
+          <a:ln w="19050">
+            <a:solidFill>
+              <a:schemeClr val="tx1">
+                <a:lumMod val="50000"/>
+                <a:lumOff val="50000"/>
+              </a:schemeClr>
+            </a:solidFill>
+          </a:ln>
+        </p:spPr>
+        <p:style>
+          <a:lnRef idx="2">
+            <a:schemeClr val="accent1"/>
+          </a:lnRef>
+          <a:fillRef idx="1">
+            <a:schemeClr val="lt1"/>
+          </a:fillRef>
+          <a:effectRef idx="0">
+            <a:schemeClr val="accent1"/>
+          </a:effectRef>
+          <a:fontRef idx="minor">
+            <a:schemeClr val="dk1"/>
+          </a:fontRef>
+        </p:style>
+        <p:txBody>
+          <a:bodyPr rtlCol="0" anchor="ctr"/>
+          <a:lstStyle/>
+          <a:p>
+            <a:pPr algn="ctr"/>
+            <a:endParaRPr lang="ko-KR" altLang="en-US" dirty="0"/>
+          </a:p>
+        </p:txBody>
+      </p:sp>
+      <p:sp>
+        <p:nvSpPr>
+          <p:cNvPr id="10" name="TextBox 9">
+            <a:extLst>
+              <a:ext uri="{FF2B5EF4-FFF2-40B4-BE49-F238E27FC236}">
+                <a16:creationId xmlns:a16="http://schemas.microsoft.com/office/drawing/2014/main" id="{8E60C1FB-51B6-0E1B-8FD4-401DBBFA07BA}"/>
+              </a:ext>
+            </a:extLst>
+          </p:cNvPr>
+          <p:cNvSpPr txBox="1"/>
+          <p:nvPr/>
+        </p:nvSpPr>
+        <p:spPr>
+          <a:xfrm>
+            <a:off x="6985000" y="1262498"/>
+            <a:ext cx="3137140" cy="369332"/>
+          </a:xfrm>
+          <a:prstGeom prst="rect">
+            <a:avLst/>
+          </a:prstGeom>
+          <a:noFill/>
+        </p:spPr>
+        <p:txBody>
+          <a:bodyPr wrap="square" rtlCol="0">
+            <a:spAutoFit/>
+          </a:bodyPr>
+          <a:lstStyle/>
+          <a:p>
+            <a:r>
+              <a:rPr lang="en-US" altLang="ko-KR" dirty="0"/>
+              <a:t>※</a:t>
+            </a:r>
+            <a:r>
+              <a:rPr lang="ko-KR" altLang="en-US" dirty="0"/>
+              <a:t>다중일 경우 표시</a:t>
+            </a:r>
+          </a:p>
+        </p:txBody>
+      </p:sp>
+    </p:spTree>
+    <p:extLst>
+      <p:ext uri="{BB962C8B-B14F-4D97-AF65-F5344CB8AC3E}">
+        <p14:creationId xmlns:p14="http://schemas.microsoft.com/office/powerpoint/2010/main" val="2986471033"/>
+      </p:ext>
+    </p:extLst>
+  </p:cSld>
+  <p:clrMapOvr>
+    <a:masterClrMapping/>
+  </p:clrMapOvr>
+</p:sld>
+</file>
+
+<file path=ppt/slides/slide9.xml><?xml version="1.0" encoding="utf-8"?>
+<p:sld xmlns:a="http://schemas.openxmlformats.org/drawingml/2006/main" xmlns:r="http://schemas.openxmlformats.org/officeDocument/2006/relationships" xmlns:p="http://schemas.openxmlformats.org/presentationml/2006/main">
+  <p:cSld>
+    <p:spTree>
+      <p:nvGrpSpPr>
+        <p:cNvPr id="1" name="">
+          <a:extLst>
+            <a:ext uri="{FF2B5EF4-FFF2-40B4-BE49-F238E27FC236}">
+              <a16:creationId xmlns:a16="http://schemas.microsoft.com/office/drawing/2014/main" id="{E28BD1BF-995A-F8C7-14D8-F7D19BA579B8}"/>
+            </a:ext>
+          </a:extLst>
+        </p:cNvPr>
+        <p:cNvGrpSpPr/>
+        <p:nvPr/>
+      </p:nvGrpSpPr>
+      <p:grpSpPr>
+        <a:xfrm>
+          <a:off x="0" y="0"/>
+          <a:ext cx="0" cy="0"/>
+          <a:chOff x="0" y="0"/>
+          <a:chExt cx="0" cy="0"/>
+        </a:xfrm>
+      </p:grpSpPr>
+      <p:pic>
+        <p:nvPicPr>
+          <p:cNvPr id="3" name="그림 2">
+            <a:extLst>
+              <a:ext uri="{FF2B5EF4-FFF2-40B4-BE49-F238E27FC236}">
+                <a16:creationId xmlns:a16="http://schemas.microsoft.com/office/drawing/2014/main" id="{741DEC3A-69C9-789E-0B2A-DE8C46334470}"/>
+              </a:ext>
+            </a:extLst>
+          </p:cNvPr>
+          <p:cNvPicPr>
+            <a:picLocks noChangeAspect="1"/>
+          </p:cNvPicPr>
+          <p:nvPr/>
+        </p:nvPicPr>
+        <p:blipFill>
+          <a:blip r:embed="rId2"/>
+          <a:stretch>
+            <a:fillRect/>
+          </a:stretch>
+        </p:blipFill>
+        <p:spPr>
+          <a:xfrm>
+            <a:off x="1134129" y="0"/>
+            <a:ext cx="9923742" cy="6858000"/>
+          </a:xfrm>
+          <a:prstGeom prst="rect">
+            <a:avLst/>
+          </a:prstGeom>
+        </p:spPr>
+      </p:pic>
+      <p:sp>
+        <p:nvSpPr>
+          <p:cNvPr id="8" name="슬라이드 번호 개체 틀 7">
+            <a:extLst>
+              <a:ext uri="{FF2B5EF4-FFF2-40B4-BE49-F238E27FC236}">
+                <a16:creationId xmlns:a16="http://schemas.microsoft.com/office/drawing/2014/main" id="{E5706B13-5418-B426-DAB2-0CED03F74CD9}"/>
+              </a:ext>
+            </a:extLst>
+          </p:cNvPr>
+          <p:cNvSpPr>
+            <a:spLocks noGrp="1"/>
+          </p:cNvSpPr>
+          <p:nvPr>
+            <p:ph type="sldNum" sz="quarter" idx="12"/>
+          </p:nvPr>
+        </p:nvSpPr>
+        <p:spPr/>
+        <p:txBody>
+          <a:bodyPr/>
+          <a:lstStyle/>
+          <a:p>
+            <a:fld id="{3D71FD17-EB80-4451-97FD-7C850897199A}" type="slidenum">
+              <a:rPr lang="ko-KR" altLang="en-US" smtClean="0"/>
+              <a:t>9</a:t>
+            </a:fld>
+            <a:endParaRPr lang="ko-KR" altLang="en-US"/>
+          </a:p>
+        </p:txBody>
+      </p:sp>
+    </p:spTree>
+    <p:extLst>
+      <p:ext uri="{BB962C8B-B14F-4D97-AF65-F5344CB8AC3E}">
+        <p14:creationId xmlns:p14="http://schemas.microsoft.com/office/powerpoint/2010/main" val="3145462129"/>
       </p:ext>
     </p:extLst>
   </p:cSld>
